--- a/nettySample/img/arch1.pptx
+++ b/nettySample/img/arch1.pptx
@@ -6,6 +6,7 @@
   </p:sldMasterIdLst>
   <p:sldIdLst>
     <p:sldId id="263" r:id="rId2"/>
+    <p:sldId id="264" r:id="rId3"/>
   </p:sldIdLst>
   <p:sldSz cx="9144000" cy="6858000" type="screen4x3"/>
   <p:notesSz cx="6858000" cy="9144000"/>
@@ -288,7 +289,7 @@
           <a:p>
             <a:fld id="{13F0C916-60D0-44A5-AE32-20FCC7917674}" type="datetimeFigureOut">
               <a:rPr lang="ko-KR" altLang="en-US" smtClean="0"/>
-              <a:t>2018-03-02</a:t>
+              <a:t>2018-04-11</a:t>
             </a:fld>
             <a:endParaRPr lang="ko-KR" altLang="en-US"/>
           </a:p>
@@ -458,7 +459,7 @@
           <a:p>
             <a:fld id="{13F0C916-60D0-44A5-AE32-20FCC7917674}" type="datetimeFigureOut">
               <a:rPr lang="ko-KR" altLang="en-US" smtClean="0"/>
-              <a:t>2018-03-02</a:t>
+              <a:t>2018-04-11</a:t>
             </a:fld>
             <a:endParaRPr lang="ko-KR" altLang="en-US"/>
           </a:p>
@@ -638,7 +639,7 @@
           <a:p>
             <a:fld id="{13F0C916-60D0-44A5-AE32-20FCC7917674}" type="datetimeFigureOut">
               <a:rPr lang="ko-KR" altLang="en-US" smtClean="0"/>
-              <a:t>2018-03-02</a:t>
+              <a:t>2018-04-11</a:t>
             </a:fld>
             <a:endParaRPr lang="ko-KR" altLang="en-US"/>
           </a:p>
@@ -808,7 +809,7 @@
           <a:p>
             <a:fld id="{13F0C916-60D0-44A5-AE32-20FCC7917674}" type="datetimeFigureOut">
               <a:rPr lang="ko-KR" altLang="en-US" smtClean="0"/>
-              <a:t>2018-03-02</a:t>
+              <a:t>2018-04-11</a:t>
             </a:fld>
             <a:endParaRPr lang="ko-KR" altLang="en-US"/>
           </a:p>
@@ -1054,7 +1055,7 @@
           <a:p>
             <a:fld id="{13F0C916-60D0-44A5-AE32-20FCC7917674}" type="datetimeFigureOut">
               <a:rPr lang="ko-KR" altLang="en-US" smtClean="0"/>
-              <a:t>2018-03-02</a:t>
+              <a:t>2018-04-11</a:t>
             </a:fld>
             <a:endParaRPr lang="ko-KR" altLang="en-US"/>
           </a:p>
@@ -1342,7 +1343,7 @@
           <a:p>
             <a:fld id="{13F0C916-60D0-44A5-AE32-20FCC7917674}" type="datetimeFigureOut">
               <a:rPr lang="ko-KR" altLang="en-US" smtClean="0"/>
-              <a:t>2018-03-02</a:t>
+              <a:t>2018-04-11</a:t>
             </a:fld>
             <a:endParaRPr lang="ko-KR" altLang="en-US"/>
           </a:p>
@@ -1764,7 +1765,7 @@
           <a:p>
             <a:fld id="{13F0C916-60D0-44A5-AE32-20FCC7917674}" type="datetimeFigureOut">
               <a:rPr lang="ko-KR" altLang="en-US" smtClean="0"/>
-              <a:t>2018-03-02</a:t>
+              <a:t>2018-04-11</a:t>
             </a:fld>
             <a:endParaRPr lang="ko-KR" altLang="en-US"/>
           </a:p>
@@ -1882,7 +1883,7 @@
           <a:p>
             <a:fld id="{13F0C916-60D0-44A5-AE32-20FCC7917674}" type="datetimeFigureOut">
               <a:rPr lang="ko-KR" altLang="en-US" smtClean="0"/>
-              <a:t>2018-03-02</a:t>
+              <a:t>2018-04-11</a:t>
             </a:fld>
             <a:endParaRPr lang="ko-KR" altLang="en-US"/>
           </a:p>
@@ -1977,7 +1978,7 @@
           <a:p>
             <a:fld id="{13F0C916-60D0-44A5-AE32-20FCC7917674}" type="datetimeFigureOut">
               <a:rPr lang="ko-KR" altLang="en-US" smtClean="0"/>
-              <a:t>2018-03-02</a:t>
+              <a:t>2018-04-11</a:t>
             </a:fld>
             <a:endParaRPr lang="ko-KR" altLang="en-US"/>
           </a:p>
@@ -2254,7 +2255,7 @@
           <a:p>
             <a:fld id="{13F0C916-60D0-44A5-AE32-20FCC7917674}" type="datetimeFigureOut">
               <a:rPr lang="ko-KR" altLang="en-US" smtClean="0"/>
-              <a:t>2018-03-02</a:t>
+              <a:t>2018-04-11</a:t>
             </a:fld>
             <a:endParaRPr lang="ko-KR" altLang="en-US"/>
           </a:p>
@@ -2507,7 +2508,7 @@
           <a:p>
             <a:fld id="{13F0C916-60D0-44A5-AE32-20FCC7917674}" type="datetimeFigureOut">
               <a:rPr lang="ko-KR" altLang="en-US" smtClean="0"/>
-              <a:t>2018-03-02</a:t>
+              <a:t>2018-04-11</a:t>
             </a:fld>
             <a:endParaRPr lang="ko-KR" altLang="en-US"/>
           </a:p>
@@ -2720,7 +2721,7 @@
           <a:p>
             <a:fld id="{13F0C916-60D0-44A5-AE32-20FCC7917674}" type="datetimeFigureOut">
               <a:rPr lang="ko-KR" altLang="en-US" smtClean="0"/>
-              <a:t>2018-03-02</a:t>
+              <a:t>2018-04-11</a:t>
             </a:fld>
             <a:endParaRPr lang="ko-KR" altLang="en-US"/>
           </a:p>
@@ -3807,11 +3808,7 @@
             <a:pPr algn="ctr"/>
             <a:r>
               <a:rPr lang="en-US" altLang="ko-KR" dirty="0" smtClean="0"/>
-              <a:t>1. </a:t>
-            </a:r>
-            <a:r>
-              <a:rPr lang="en-US" altLang="ko-KR" dirty="0" smtClean="0"/>
-              <a:t>FixedLengthVO</a:t>
+              <a:t>1. FixedLengthVO</a:t>
             </a:r>
             <a:endParaRPr lang="ko-KR" altLang="en-US" dirty="0"/>
           </a:p>
@@ -3958,6 +3955,998 @@
     <p:extLst>
       <p:ext uri="{BB962C8B-B14F-4D97-AF65-F5344CB8AC3E}">
         <p14:creationId xmlns:p14="http://schemas.microsoft.com/office/powerpoint/2010/main" val="2498526518"/>
+      </p:ext>
+    </p:extLst>
+  </p:cSld>
+  <p:clrMapOvr>
+    <a:masterClrMapping/>
+  </p:clrMapOvr>
+</p:sld>
+</file>
+
+<file path=ppt/slides/slide2.xml><?xml version="1.0" encoding="utf-8"?>
+<p:sld xmlns:a="http://schemas.openxmlformats.org/drawingml/2006/main" xmlns:r="http://schemas.openxmlformats.org/officeDocument/2006/relationships" xmlns:p="http://schemas.openxmlformats.org/presentationml/2006/main">
+  <p:cSld>
+    <p:spTree>
+      <p:nvGrpSpPr>
+        <p:cNvPr id="1" name=""/>
+        <p:cNvGrpSpPr/>
+        <p:nvPr/>
+      </p:nvGrpSpPr>
+      <p:grpSpPr>
+        <a:xfrm>
+          <a:off x="0" y="0"/>
+          <a:ext cx="0" cy="0"/>
+          <a:chOff x="0" y="0"/>
+          <a:chExt cx="0" cy="0"/>
+        </a:xfrm>
+      </p:grpSpPr>
+      <p:sp>
+        <p:nvSpPr>
+          <p:cNvPr id="40" name="양쪽 모서리가 둥근 사각형 39"/>
+          <p:cNvSpPr/>
+          <p:nvPr/>
+        </p:nvSpPr>
+        <p:spPr>
+          <a:xfrm>
+            <a:off x="606679" y="461128"/>
+            <a:ext cx="1872208" cy="1584176"/>
+          </a:xfrm>
+          <a:prstGeom prst="round2SameRect">
+            <a:avLst/>
+          </a:prstGeom>
+          <a:noFill/>
+        </p:spPr>
+        <p:style>
+          <a:lnRef idx="2">
+            <a:schemeClr val="accent1">
+              <a:shade val="50000"/>
+            </a:schemeClr>
+          </a:lnRef>
+          <a:fillRef idx="1">
+            <a:schemeClr val="accent1"/>
+          </a:fillRef>
+          <a:effectRef idx="0">
+            <a:schemeClr val="accent1"/>
+          </a:effectRef>
+          <a:fontRef idx="minor">
+            <a:schemeClr val="lt1"/>
+          </a:fontRef>
+        </p:style>
+        <p:txBody>
+          <a:bodyPr rtlCol="0" anchor="ctr"/>
+          <a:lstStyle/>
+          <a:p>
+            <a:pPr algn="ctr"/>
+            <a:endParaRPr lang="ko-KR" altLang="en-US"/>
+          </a:p>
+        </p:txBody>
+      </p:sp>
+      <p:sp>
+        <p:nvSpPr>
+          <p:cNvPr id="41" name="TextBox 40"/>
+          <p:cNvSpPr txBox="1"/>
+          <p:nvPr/>
+        </p:nvSpPr>
+        <p:spPr>
+          <a:xfrm>
+            <a:off x="606679" y="1109200"/>
+            <a:ext cx="1872208" cy="369332"/>
+          </a:xfrm>
+          <a:prstGeom prst="rect">
+            <a:avLst/>
+          </a:prstGeom>
+          <a:noFill/>
+        </p:spPr>
+        <p:txBody>
+          <a:bodyPr wrap="square" rtlCol="0">
+            <a:spAutoFit/>
+          </a:bodyPr>
+          <a:lstStyle/>
+          <a:p>
+            <a:pPr algn="ctr"/>
+            <a:r>
+              <a:rPr lang="en-US" altLang="ko-KR" dirty="0" smtClean="0"/>
+              <a:t>Client</a:t>
+            </a:r>
+            <a:endParaRPr lang="ko-KR" altLang="en-US" dirty="0"/>
+          </a:p>
+        </p:txBody>
+      </p:sp>
+      <p:cxnSp>
+        <p:nvCxnSpPr>
+          <p:cNvPr id="59" name="직선 화살표 연결선 58"/>
+          <p:cNvCxnSpPr/>
+          <p:nvPr/>
+        </p:nvCxnSpPr>
+        <p:spPr>
+          <a:xfrm>
+            <a:off x="2478887" y="894377"/>
+            <a:ext cx="3816422" cy="14343"/>
+          </a:xfrm>
+          <a:prstGeom prst="straightConnector1">
+            <a:avLst/>
+          </a:prstGeom>
+          <a:ln w="25400">
+            <a:headEnd type="none"/>
+            <a:tailEnd type="arrow"/>
+          </a:ln>
+        </p:spPr>
+        <p:style>
+          <a:lnRef idx="1">
+            <a:schemeClr val="accent1"/>
+          </a:lnRef>
+          <a:fillRef idx="0">
+            <a:schemeClr val="accent1"/>
+          </a:fillRef>
+          <a:effectRef idx="0">
+            <a:schemeClr val="accent1"/>
+          </a:effectRef>
+          <a:fontRef idx="minor">
+            <a:schemeClr val="tx1"/>
+          </a:fontRef>
+        </p:style>
+      </p:cxnSp>
+      <p:sp>
+        <p:nvSpPr>
+          <p:cNvPr id="15" name="양쪽 모서리가 둥근 사각형 14"/>
+          <p:cNvSpPr/>
+          <p:nvPr/>
+        </p:nvSpPr>
+        <p:spPr>
+          <a:xfrm>
+            <a:off x="6306397" y="461128"/>
+            <a:ext cx="1872208" cy="1584176"/>
+          </a:xfrm>
+          <a:prstGeom prst="round2SameRect">
+            <a:avLst/>
+          </a:prstGeom>
+          <a:noFill/>
+        </p:spPr>
+        <p:style>
+          <a:lnRef idx="2">
+            <a:schemeClr val="accent1">
+              <a:shade val="50000"/>
+            </a:schemeClr>
+          </a:lnRef>
+          <a:fillRef idx="1">
+            <a:schemeClr val="accent1"/>
+          </a:fillRef>
+          <a:effectRef idx="0">
+            <a:schemeClr val="accent1"/>
+          </a:effectRef>
+          <a:fontRef idx="minor">
+            <a:schemeClr val="lt1"/>
+          </a:fontRef>
+        </p:style>
+        <p:txBody>
+          <a:bodyPr rtlCol="0" anchor="ctr"/>
+          <a:lstStyle/>
+          <a:p>
+            <a:pPr algn="ctr"/>
+            <a:endParaRPr lang="ko-KR" altLang="en-US"/>
+          </a:p>
+        </p:txBody>
+      </p:sp>
+      <p:sp>
+        <p:nvSpPr>
+          <p:cNvPr id="16" name="TextBox 15"/>
+          <p:cNvSpPr txBox="1"/>
+          <p:nvPr/>
+        </p:nvSpPr>
+        <p:spPr>
+          <a:xfrm>
+            <a:off x="6306397" y="1109200"/>
+            <a:ext cx="1872208" cy="369332"/>
+          </a:xfrm>
+          <a:prstGeom prst="rect">
+            <a:avLst/>
+          </a:prstGeom>
+          <a:noFill/>
+        </p:spPr>
+        <p:txBody>
+          <a:bodyPr wrap="square" rtlCol="0">
+            <a:spAutoFit/>
+          </a:bodyPr>
+          <a:lstStyle/>
+          <a:p>
+            <a:pPr algn="ctr"/>
+            <a:r>
+              <a:rPr lang="en-US" altLang="ko-KR" dirty="0" smtClean="0"/>
+              <a:t>Server</a:t>
+            </a:r>
+            <a:endParaRPr lang="ko-KR" altLang="en-US" dirty="0"/>
+          </a:p>
+        </p:txBody>
+      </p:sp>
+      <p:sp>
+        <p:nvSpPr>
+          <p:cNvPr id="2" name="TextBox 1"/>
+          <p:cNvSpPr txBox="1"/>
+          <p:nvPr/>
+        </p:nvSpPr>
+        <p:spPr>
+          <a:xfrm>
+            <a:off x="2699792" y="539388"/>
+            <a:ext cx="2664296" cy="369332"/>
+          </a:xfrm>
+          <a:prstGeom prst="rect">
+            <a:avLst/>
+          </a:prstGeom>
+          <a:noFill/>
+        </p:spPr>
+        <p:txBody>
+          <a:bodyPr wrap="square" rtlCol="0">
+            <a:spAutoFit/>
+          </a:bodyPr>
+          <a:lstStyle/>
+          <a:p>
+            <a:r>
+              <a:rPr lang="en-US" altLang="ko-KR" dirty="0" smtClean="0"/>
+              <a:t>1. </a:t>
+            </a:r>
+            <a:r>
+              <a:rPr lang="ko-KR" altLang="en-US" dirty="0" smtClean="0"/>
+              <a:t>요청 단문</a:t>
+            </a:r>
+            <a:r>
+              <a:rPr lang="en-US" altLang="ko-KR" dirty="0" smtClean="0"/>
+              <a:t>(String)</a:t>
+            </a:r>
+            <a:endParaRPr lang="ko-KR" altLang="en-US" dirty="0"/>
+          </a:p>
+        </p:txBody>
+      </p:sp>
+      <p:cxnSp>
+        <p:nvCxnSpPr>
+          <p:cNvPr id="18" name="직선 화살표 연결선 17"/>
+          <p:cNvCxnSpPr/>
+          <p:nvPr/>
+        </p:nvCxnSpPr>
+        <p:spPr>
+          <a:xfrm>
+            <a:off x="2478887" y="1335717"/>
+            <a:ext cx="3816422" cy="14343"/>
+          </a:xfrm>
+          <a:prstGeom prst="straightConnector1">
+            <a:avLst/>
+          </a:prstGeom>
+          <a:ln w="25400">
+            <a:headEnd type="arrow"/>
+            <a:tailEnd type="none"/>
+          </a:ln>
+        </p:spPr>
+        <p:style>
+          <a:lnRef idx="1">
+            <a:schemeClr val="accent1"/>
+          </a:lnRef>
+          <a:fillRef idx="0">
+            <a:schemeClr val="accent1"/>
+          </a:fillRef>
+          <a:effectRef idx="0">
+            <a:schemeClr val="accent1"/>
+          </a:effectRef>
+          <a:fontRef idx="minor">
+            <a:schemeClr val="tx1"/>
+          </a:fontRef>
+        </p:style>
+      </p:cxnSp>
+      <p:sp>
+        <p:nvSpPr>
+          <p:cNvPr id="19" name="TextBox 18"/>
+          <p:cNvSpPr txBox="1"/>
+          <p:nvPr/>
+        </p:nvSpPr>
+        <p:spPr>
+          <a:xfrm>
+            <a:off x="2699792" y="980728"/>
+            <a:ext cx="3456384" cy="369332"/>
+          </a:xfrm>
+          <a:prstGeom prst="rect">
+            <a:avLst/>
+          </a:prstGeom>
+          <a:noFill/>
+        </p:spPr>
+        <p:txBody>
+          <a:bodyPr wrap="square" rtlCol="0">
+            <a:spAutoFit/>
+          </a:bodyPr>
+          <a:lstStyle/>
+          <a:p>
+            <a:r>
+              <a:rPr lang="en-US" altLang="ko-KR" dirty="0"/>
+              <a:t>2</a:t>
+            </a:r>
+            <a:r>
+              <a:rPr lang="en-US" altLang="ko-KR" dirty="0" smtClean="0"/>
+              <a:t>. </a:t>
+            </a:r>
+            <a:r>
+              <a:rPr lang="ko-KR" altLang="en-US" dirty="0" smtClean="0"/>
+              <a:t>응</a:t>
+            </a:r>
+            <a:r>
+              <a:rPr lang="ko-KR" altLang="en-US" dirty="0"/>
+              <a:t>답</a:t>
+            </a:r>
+            <a:r>
+              <a:rPr lang="ko-KR" altLang="en-US" dirty="0" smtClean="0"/>
+              <a:t> 장문</a:t>
+            </a:r>
+            <a:r>
+              <a:rPr lang="en-US" altLang="ko-KR" dirty="0" smtClean="0"/>
+              <a:t>(FixedLengthVO2)</a:t>
+            </a:r>
+            <a:endParaRPr lang="ko-KR" altLang="en-US" dirty="0"/>
+          </a:p>
+        </p:txBody>
+      </p:sp>
+      <p:cxnSp>
+        <p:nvCxnSpPr>
+          <p:cNvPr id="20" name="직선 화살표 연결선 19"/>
+          <p:cNvCxnSpPr/>
+          <p:nvPr/>
+        </p:nvCxnSpPr>
+        <p:spPr>
+          <a:xfrm>
+            <a:off x="2478887" y="1428320"/>
+            <a:ext cx="3816422" cy="14343"/>
+          </a:xfrm>
+          <a:prstGeom prst="straightConnector1">
+            <a:avLst/>
+          </a:prstGeom>
+          <a:ln w="25400">
+            <a:headEnd type="arrow"/>
+            <a:tailEnd type="none"/>
+          </a:ln>
+        </p:spPr>
+        <p:style>
+          <a:lnRef idx="1">
+            <a:schemeClr val="accent1"/>
+          </a:lnRef>
+          <a:fillRef idx="0">
+            <a:schemeClr val="accent1"/>
+          </a:fillRef>
+          <a:effectRef idx="0">
+            <a:schemeClr val="accent1"/>
+          </a:effectRef>
+          <a:fontRef idx="minor">
+            <a:schemeClr val="tx1"/>
+          </a:fontRef>
+        </p:style>
+      </p:cxnSp>
+      <p:cxnSp>
+        <p:nvCxnSpPr>
+          <p:cNvPr id="21" name="직선 화살표 연결선 20"/>
+          <p:cNvCxnSpPr/>
+          <p:nvPr/>
+        </p:nvCxnSpPr>
+        <p:spPr>
+          <a:xfrm>
+            <a:off x="2478887" y="1500328"/>
+            <a:ext cx="3816422" cy="27951"/>
+          </a:xfrm>
+          <a:prstGeom prst="straightConnector1">
+            <a:avLst/>
+          </a:prstGeom>
+          <a:ln w="25400">
+            <a:headEnd type="arrow"/>
+            <a:tailEnd type="none"/>
+          </a:ln>
+        </p:spPr>
+        <p:style>
+          <a:lnRef idx="1">
+            <a:schemeClr val="accent1"/>
+          </a:lnRef>
+          <a:fillRef idx="0">
+            <a:schemeClr val="accent1"/>
+          </a:fillRef>
+          <a:effectRef idx="0">
+            <a:schemeClr val="accent1"/>
+          </a:effectRef>
+          <a:fontRef idx="minor">
+            <a:schemeClr val="tx1"/>
+          </a:fontRef>
+        </p:style>
+      </p:cxnSp>
+      <p:cxnSp>
+        <p:nvCxnSpPr>
+          <p:cNvPr id="22" name="직선 화살표 연결선 21"/>
+          <p:cNvCxnSpPr/>
+          <p:nvPr/>
+        </p:nvCxnSpPr>
+        <p:spPr>
+          <a:xfrm>
+            <a:off x="2478887" y="1595174"/>
+            <a:ext cx="3816422" cy="14343"/>
+          </a:xfrm>
+          <a:prstGeom prst="straightConnector1">
+            <a:avLst/>
+          </a:prstGeom>
+          <a:ln w="25400">
+            <a:headEnd type="arrow"/>
+            <a:tailEnd type="none"/>
+          </a:ln>
+        </p:spPr>
+        <p:style>
+          <a:lnRef idx="1">
+            <a:schemeClr val="accent1"/>
+          </a:lnRef>
+          <a:fillRef idx="0">
+            <a:schemeClr val="accent1"/>
+          </a:fillRef>
+          <a:effectRef idx="0">
+            <a:schemeClr val="accent1"/>
+          </a:effectRef>
+          <a:fontRef idx="minor">
+            <a:schemeClr val="tx1"/>
+          </a:fontRef>
+        </p:style>
+      </p:cxnSp>
+      <p:cxnSp>
+        <p:nvCxnSpPr>
+          <p:cNvPr id="23" name="직선 화살표 연결선 22"/>
+          <p:cNvCxnSpPr/>
+          <p:nvPr/>
+        </p:nvCxnSpPr>
+        <p:spPr>
+          <a:xfrm>
+            <a:off x="2478887" y="1687777"/>
+            <a:ext cx="3816422" cy="14343"/>
+          </a:xfrm>
+          <a:prstGeom prst="straightConnector1">
+            <a:avLst/>
+          </a:prstGeom>
+          <a:ln w="25400">
+            <a:headEnd type="arrow"/>
+            <a:tailEnd type="none"/>
+          </a:ln>
+        </p:spPr>
+        <p:style>
+          <a:lnRef idx="1">
+            <a:schemeClr val="accent1"/>
+          </a:lnRef>
+          <a:fillRef idx="0">
+            <a:schemeClr val="accent1"/>
+          </a:fillRef>
+          <a:effectRef idx="0">
+            <a:schemeClr val="accent1"/>
+          </a:effectRef>
+          <a:fontRef idx="minor">
+            <a:schemeClr val="tx1"/>
+          </a:fontRef>
+        </p:style>
+      </p:cxnSp>
+      <p:cxnSp>
+        <p:nvCxnSpPr>
+          <p:cNvPr id="24" name="직선 화살표 연결선 23"/>
+          <p:cNvCxnSpPr/>
+          <p:nvPr/>
+        </p:nvCxnSpPr>
+        <p:spPr>
+          <a:xfrm>
+            <a:off x="2478887" y="1759785"/>
+            <a:ext cx="3816422" cy="27951"/>
+          </a:xfrm>
+          <a:prstGeom prst="straightConnector1">
+            <a:avLst/>
+          </a:prstGeom>
+          <a:ln w="25400">
+            <a:headEnd type="arrow"/>
+            <a:tailEnd type="none"/>
+          </a:ln>
+        </p:spPr>
+        <p:style>
+          <a:lnRef idx="1">
+            <a:schemeClr val="accent1"/>
+          </a:lnRef>
+          <a:fillRef idx="0">
+            <a:schemeClr val="accent1"/>
+          </a:fillRef>
+          <a:effectRef idx="0">
+            <a:schemeClr val="accent1"/>
+          </a:effectRef>
+          <a:fontRef idx="minor">
+            <a:schemeClr val="tx1"/>
+          </a:fontRef>
+        </p:style>
+      </p:cxnSp>
+      <p:sp>
+        <p:nvSpPr>
+          <p:cNvPr id="25" name="TextBox 24"/>
+          <p:cNvSpPr txBox="1"/>
+          <p:nvPr/>
+        </p:nvSpPr>
+        <p:spPr>
+          <a:xfrm>
+            <a:off x="323528" y="2339588"/>
+            <a:ext cx="3024336" cy="400110"/>
+          </a:xfrm>
+          <a:prstGeom prst="rect">
+            <a:avLst/>
+          </a:prstGeom>
+          <a:noFill/>
+        </p:spPr>
+        <p:txBody>
+          <a:bodyPr wrap="square" rtlCol="0">
+            <a:spAutoFit/>
+          </a:bodyPr>
+          <a:lstStyle/>
+          <a:p>
+            <a:r>
+              <a:rPr lang="en-US" altLang="ko-KR" sz="2000" dirty="0" smtClean="0"/>
+              <a:t>FixedLengthVO2</a:t>
+            </a:r>
+            <a:endParaRPr lang="ko-KR" altLang="en-US" sz="2000" dirty="0"/>
+          </a:p>
+        </p:txBody>
+      </p:sp>
+      <p:graphicFrame>
+        <p:nvGraphicFramePr>
+          <p:cNvPr id="26" name="표 25"/>
+          <p:cNvGraphicFramePr>
+            <a:graphicFrameLocks noGrp="1"/>
+          </p:cNvGraphicFramePr>
+          <p:nvPr>
+            <p:extLst>
+              <p:ext uri="{D42A27DB-BD31-4B8C-83A1-F6EECF244321}">
+                <p14:modId xmlns:p14="http://schemas.microsoft.com/office/powerpoint/2010/main" val="872796349"/>
+              </p:ext>
+            </p:extLst>
+          </p:nvPr>
+        </p:nvGraphicFramePr>
+        <p:xfrm>
+          <a:off x="323528" y="2760715"/>
+          <a:ext cx="8352928" cy="2966720"/>
+        </p:xfrm>
+        <a:graphic>
+          <a:graphicData uri="http://schemas.openxmlformats.org/drawingml/2006/table">
+            <a:tbl>
+              <a:tblPr firstRow="1" bandRow="1">
+                <a:tableStyleId>{5C22544A-7EE6-4342-B048-85BDC9FD1C3A}</a:tableStyleId>
+              </a:tblPr>
+              <a:tblGrid>
+                <a:gridCol w="2032000"/>
+                <a:gridCol w="2032000"/>
+                <a:gridCol w="4288928"/>
+              </a:tblGrid>
+              <a:tr h="370840">
+                <a:tc>
+                  <a:txBody>
+                    <a:bodyPr/>
+                    <a:lstStyle/>
+                    <a:p>
+                      <a:pPr latinLnBrk="1"/>
+                      <a:r>
+                        <a:rPr lang="en-US" altLang="ko-KR" dirty="0" smtClean="0"/>
+                        <a:t>Field</a:t>
+                      </a:r>
+                      <a:r>
+                        <a:rPr lang="en-US" altLang="ko-KR" baseline="0" dirty="0" smtClean="0"/>
+                        <a:t> Name</a:t>
+                      </a:r>
+                      <a:endParaRPr lang="ko-KR" altLang="en-US" dirty="0"/>
+                    </a:p>
+                  </a:txBody>
+                  <a:tcPr/>
+                </a:tc>
+                <a:tc>
+                  <a:txBody>
+                    <a:bodyPr/>
+                    <a:lstStyle/>
+                    <a:p>
+                      <a:pPr latinLnBrk="1"/>
+                      <a:r>
+                        <a:rPr lang="en-US" altLang="ko-KR" dirty="0" smtClean="0"/>
+                        <a:t>Length</a:t>
+                      </a:r>
+                      <a:endParaRPr lang="ko-KR" altLang="en-US" dirty="0"/>
+                    </a:p>
+                  </a:txBody>
+                  <a:tcPr/>
+                </a:tc>
+                <a:tc>
+                  <a:txBody>
+                    <a:bodyPr/>
+                    <a:lstStyle/>
+                    <a:p>
+                      <a:pPr latinLnBrk="1"/>
+                      <a:r>
+                        <a:rPr lang="en-US" altLang="ko-KR" dirty="0" smtClean="0"/>
+                        <a:t>description</a:t>
+                      </a:r>
+                      <a:endParaRPr lang="ko-KR" altLang="en-US" dirty="0"/>
+                    </a:p>
+                  </a:txBody>
+                  <a:tcPr/>
+                </a:tc>
+              </a:tr>
+              <a:tr h="370840">
+                <a:tc>
+                  <a:txBody>
+                    <a:bodyPr/>
+                    <a:lstStyle/>
+                    <a:p>
+                      <a:pPr latinLnBrk="1"/>
+                      <a:r>
+                        <a:rPr lang="en-US" altLang="ko-KR" sz="1800" i="1" u="none" kern="1200" dirty="0" smtClean="0">
+                          <a:solidFill>
+                            <a:schemeClr val="dk1"/>
+                          </a:solidFill>
+                          <a:latin typeface="+mn-lt"/>
+                          <a:ea typeface="+mn-ea"/>
+                          <a:cs typeface="+mn-cs"/>
+                        </a:rPr>
+                        <a:t>THIS_LENGTH</a:t>
+                      </a:r>
+                      <a:endParaRPr lang="ko-KR" altLang="en-US" u="none" dirty="0"/>
+                    </a:p>
+                  </a:txBody>
+                  <a:tcPr/>
+                </a:tc>
+                <a:tc>
+                  <a:txBody>
+                    <a:bodyPr/>
+                    <a:lstStyle/>
+                    <a:p>
+                      <a:pPr latinLnBrk="1"/>
+                      <a:r>
+                        <a:rPr lang="en-US" altLang="ko-KR" u="none" dirty="0" smtClean="0"/>
+                        <a:t>8</a:t>
+                      </a:r>
+                      <a:endParaRPr lang="ko-KR" altLang="en-US" u="none" dirty="0"/>
+                    </a:p>
+                  </a:txBody>
+                  <a:tcPr/>
+                </a:tc>
+                <a:tc>
+                  <a:txBody>
+                    <a:bodyPr/>
+                    <a:lstStyle/>
+                    <a:p>
+                      <a:pPr latinLnBrk="1"/>
+                      <a:r>
+                        <a:rPr lang="ko-KR" altLang="en-US" u="none" dirty="0" smtClean="0"/>
+                        <a:t>현재 보내는 전문 길이</a:t>
+                      </a:r>
+                      <a:endParaRPr lang="ko-KR" altLang="en-US" u="none" dirty="0"/>
+                    </a:p>
+                  </a:txBody>
+                  <a:tcPr/>
+                </a:tc>
+              </a:tr>
+              <a:tr h="370840">
+                <a:tc>
+                  <a:txBody>
+                    <a:bodyPr/>
+                    <a:lstStyle/>
+                    <a:p>
+                      <a:pPr latinLnBrk="1"/>
+                      <a:r>
+                        <a:rPr lang="en-US" altLang="ko-KR" sz="1800" i="1" u="none" kern="1200" dirty="0" smtClean="0">
+                          <a:solidFill>
+                            <a:schemeClr val="dk1"/>
+                          </a:solidFill>
+                          <a:latin typeface="+mn-lt"/>
+                          <a:ea typeface="+mn-ea"/>
+                          <a:cs typeface="+mn-cs"/>
+                        </a:rPr>
+                        <a:t>CNT</a:t>
+                      </a:r>
+                      <a:endParaRPr lang="ko-KR" altLang="en-US" u="none" dirty="0"/>
+                    </a:p>
+                  </a:txBody>
+                  <a:tcPr/>
+                </a:tc>
+                <a:tc>
+                  <a:txBody>
+                    <a:bodyPr/>
+                    <a:lstStyle/>
+                    <a:p>
+                      <a:pPr latinLnBrk="1"/>
+                      <a:r>
+                        <a:rPr lang="en-US" altLang="ko-KR" u="none" dirty="0" smtClean="0"/>
+                        <a:t>8</a:t>
+                      </a:r>
+                      <a:endParaRPr lang="ko-KR" altLang="en-US" u="none" dirty="0"/>
+                    </a:p>
+                  </a:txBody>
+                  <a:tcPr/>
+                </a:tc>
+                <a:tc>
+                  <a:txBody>
+                    <a:bodyPr/>
+                    <a:lstStyle/>
+                    <a:p>
+                      <a:pPr latinLnBrk="1"/>
+                      <a:r>
+                        <a:rPr lang="ko-KR" altLang="en-US" u="none" dirty="0" smtClean="0"/>
+                        <a:t>몇 번째 전문인지</a:t>
+                      </a:r>
+                      <a:endParaRPr lang="ko-KR" altLang="en-US" u="none" dirty="0"/>
+                    </a:p>
+                  </a:txBody>
+                  <a:tcPr/>
+                </a:tc>
+              </a:tr>
+              <a:tr h="370840">
+                <a:tc>
+                  <a:txBody>
+                    <a:bodyPr/>
+                    <a:lstStyle/>
+                    <a:p>
+                      <a:pPr latinLnBrk="1"/>
+                      <a:r>
+                        <a:rPr lang="en-US" altLang="ko-KR" sz="1800" i="1" u="none" kern="1200" dirty="0" smtClean="0">
+                          <a:solidFill>
+                            <a:schemeClr val="dk1"/>
+                          </a:solidFill>
+                          <a:latin typeface="+mn-lt"/>
+                          <a:ea typeface="+mn-ea"/>
+                          <a:cs typeface="+mn-cs"/>
+                        </a:rPr>
+                        <a:t>TOT_LENGTH</a:t>
+                      </a:r>
+                      <a:endParaRPr lang="ko-KR" altLang="en-US" u="none" dirty="0"/>
+                    </a:p>
+                  </a:txBody>
+                  <a:tcPr/>
+                </a:tc>
+                <a:tc>
+                  <a:txBody>
+                    <a:bodyPr/>
+                    <a:lstStyle/>
+                    <a:p>
+                      <a:pPr latinLnBrk="1"/>
+                      <a:r>
+                        <a:rPr lang="en-US" altLang="ko-KR" u="none" dirty="0" smtClean="0"/>
+                        <a:t>12</a:t>
+                      </a:r>
+                      <a:endParaRPr lang="ko-KR" altLang="en-US" u="none" dirty="0"/>
+                    </a:p>
+                  </a:txBody>
+                  <a:tcPr/>
+                </a:tc>
+                <a:tc>
+                  <a:txBody>
+                    <a:bodyPr/>
+                    <a:lstStyle/>
+                    <a:p>
+                      <a:pPr latinLnBrk="1"/>
+                      <a:r>
+                        <a:rPr lang="ko-KR" altLang="en-US" u="none" dirty="0" smtClean="0"/>
+                        <a:t>파일의 전체 길이</a:t>
+                      </a:r>
+                      <a:endParaRPr lang="ko-KR" altLang="en-US" u="none" dirty="0"/>
+                    </a:p>
+                  </a:txBody>
+                  <a:tcPr/>
+                </a:tc>
+              </a:tr>
+              <a:tr h="370840">
+                <a:tc>
+                  <a:txBody>
+                    <a:bodyPr/>
+                    <a:lstStyle/>
+                    <a:p>
+                      <a:pPr latinLnBrk="1"/>
+                      <a:r>
+                        <a:rPr lang="en-US" altLang="ko-KR" sz="1800" i="1" u="none" kern="1200" dirty="0" smtClean="0">
+                          <a:solidFill>
+                            <a:schemeClr val="dk1"/>
+                          </a:solidFill>
+                          <a:latin typeface="+mn-lt"/>
+                          <a:ea typeface="+mn-ea"/>
+                          <a:cs typeface="+mn-cs"/>
+                        </a:rPr>
+                        <a:t>START</a:t>
+                      </a:r>
+                      <a:endParaRPr lang="ko-KR" altLang="en-US" u="none" dirty="0"/>
+                    </a:p>
+                  </a:txBody>
+                  <a:tcPr/>
+                </a:tc>
+                <a:tc>
+                  <a:txBody>
+                    <a:bodyPr/>
+                    <a:lstStyle/>
+                    <a:p>
+                      <a:pPr latinLnBrk="1"/>
+                      <a:r>
+                        <a:rPr lang="en-US" altLang="ko-KR" u="none" dirty="0" smtClean="0"/>
+                        <a:t>1</a:t>
+                      </a:r>
+                      <a:endParaRPr lang="ko-KR" altLang="en-US" u="none" dirty="0"/>
+                    </a:p>
+                  </a:txBody>
+                  <a:tcPr/>
+                </a:tc>
+                <a:tc>
+                  <a:txBody>
+                    <a:bodyPr/>
+                    <a:lstStyle/>
+                    <a:p>
+                      <a:pPr latinLnBrk="1"/>
+                      <a:r>
+                        <a:rPr lang="ko-KR" altLang="en-US" u="none" dirty="0" smtClean="0"/>
+                        <a:t>시작 전문</a:t>
+                      </a:r>
+                      <a:endParaRPr lang="ko-KR" altLang="en-US" u="none" dirty="0"/>
+                    </a:p>
+                  </a:txBody>
+                  <a:tcPr/>
+                </a:tc>
+              </a:tr>
+              <a:tr h="370840">
+                <a:tc>
+                  <a:txBody>
+                    <a:bodyPr/>
+                    <a:lstStyle/>
+                    <a:p>
+                      <a:pPr latinLnBrk="1"/>
+                      <a:r>
+                        <a:rPr lang="en-US" altLang="ko-KR" sz="1800" i="1" u="none" kern="1200" dirty="0" smtClean="0">
+                          <a:solidFill>
+                            <a:schemeClr val="dk1"/>
+                          </a:solidFill>
+                          <a:latin typeface="+mn-lt"/>
+                          <a:ea typeface="+mn-ea"/>
+                          <a:cs typeface="+mn-cs"/>
+                        </a:rPr>
+                        <a:t>END</a:t>
+                      </a:r>
+                      <a:endParaRPr lang="ko-KR" altLang="en-US" u="none" dirty="0"/>
+                    </a:p>
+                  </a:txBody>
+                  <a:tcPr/>
+                </a:tc>
+                <a:tc>
+                  <a:txBody>
+                    <a:bodyPr/>
+                    <a:lstStyle/>
+                    <a:p>
+                      <a:pPr latinLnBrk="1"/>
+                      <a:r>
+                        <a:rPr lang="en-US" altLang="ko-KR" u="none" dirty="0" smtClean="0"/>
+                        <a:t>1</a:t>
+                      </a:r>
+                      <a:endParaRPr lang="ko-KR" altLang="en-US" u="none" dirty="0"/>
+                    </a:p>
+                  </a:txBody>
+                  <a:tcPr/>
+                </a:tc>
+                <a:tc>
+                  <a:txBody>
+                    <a:bodyPr/>
+                    <a:lstStyle/>
+                    <a:p>
+                      <a:pPr latinLnBrk="1"/>
+                      <a:r>
+                        <a:rPr lang="ko-KR" altLang="en-US" u="none" dirty="0" smtClean="0"/>
+                        <a:t>마지막 전문</a:t>
+                      </a:r>
+                      <a:endParaRPr lang="ko-KR" altLang="en-US" u="none" dirty="0"/>
+                    </a:p>
+                  </a:txBody>
+                  <a:tcPr/>
+                </a:tc>
+              </a:tr>
+              <a:tr h="370840">
+                <a:tc>
+                  <a:txBody>
+                    <a:bodyPr/>
+                    <a:lstStyle/>
+                    <a:p>
+                      <a:pPr latinLnBrk="1"/>
+                      <a:r>
+                        <a:rPr lang="en-US" altLang="ko-KR" sz="1800" i="1" u="none" kern="1200" dirty="0" smtClean="0">
+                          <a:solidFill>
+                            <a:schemeClr val="dk1"/>
+                          </a:solidFill>
+                          <a:latin typeface="+mn-lt"/>
+                          <a:ea typeface="+mn-ea"/>
+                          <a:cs typeface="+mn-cs"/>
+                        </a:rPr>
+                        <a:t>FILENAME</a:t>
+                      </a:r>
+                      <a:endParaRPr lang="ko-KR" altLang="en-US" u="none" dirty="0"/>
+                    </a:p>
+                  </a:txBody>
+                  <a:tcPr/>
+                </a:tc>
+                <a:tc>
+                  <a:txBody>
+                    <a:bodyPr/>
+                    <a:lstStyle/>
+                    <a:p>
+                      <a:pPr latinLnBrk="1"/>
+                      <a:r>
+                        <a:rPr lang="en-US" altLang="ko-KR" u="none" dirty="0" smtClean="0"/>
+                        <a:t>128</a:t>
+                      </a:r>
+                      <a:endParaRPr lang="ko-KR" altLang="en-US" u="none" dirty="0"/>
+                    </a:p>
+                  </a:txBody>
+                  <a:tcPr/>
+                </a:tc>
+                <a:tc>
+                  <a:txBody>
+                    <a:bodyPr/>
+                    <a:lstStyle/>
+                    <a:p>
+                      <a:pPr latinLnBrk="1"/>
+                      <a:r>
+                        <a:rPr lang="ko-KR" altLang="en-US" u="none" dirty="0" smtClean="0"/>
+                        <a:t>파일명</a:t>
+                      </a:r>
+                      <a:endParaRPr lang="ko-KR" altLang="en-US" u="none" dirty="0"/>
+                    </a:p>
+                  </a:txBody>
+                  <a:tcPr/>
+                </a:tc>
+              </a:tr>
+              <a:tr h="370840">
+                <a:tc>
+                  <a:txBody>
+                    <a:bodyPr/>
+                    <a:lstStyle/>
+                    <a:p>
+                      <a:pPr latinLnBrk="1"/>
+                      <a:r>
+                        <a:rPr lang="en-US" altLang="ko-KR" sz="1800" u="none" kern="1200" dirty="0" smtClean="0">
+                          <a:solidFill>
+                            <a:schemeClr val="dk1"/>
+                          </a:solidFill>
+                          <a:latin typeface="+mn-lt"/>
+                          <a:ea typeface="+mn-ea"/>
+                          <a:cs typeface="+mn-cs"/>
+                        </a:rPr>
+                        <a:t>DATA</a:t>
+                      </a:r>
+                      <a:endParaRPr lang="ko-KR" altLang="en-US" u="none" dirty="0"/>
+                    </a:p>
+                  </a:txBody>
+                  <a:tcPr/>
+                </a:tc>
+                <a:tc>
+                  <a:txBody>
+                    <a:bodyPr/>
+                    <a:lstStyle/>
+                    <a:p>
+                      <a:pPr latinLnBrk="1"/>
+                      <a:r>
+                        <a:rPr lang="en-US" altLang="ko-KR" u="none" dirty="0" smtClean="0"/>
+                        <a:t>?</a:t>
+                      </a:r>
+                      <a:endParaRPr lang="ko-KR" altLang="en-US" u="none" dirty="0"/>
+                    </a:p>
+                  </a:txBody>
+                  <a:tcPr/>
+                </a:tc>
+                <a:tc>
+                  <a:txBody>
+                    <a:bodyPr/>
+                    <a:lstStyle/>
+                    <a:p>
+                      <a:pPr latinLnBrk="1"/>
+                      <a:r>
+                        <a:rPr lang="ko-KR" altLang="en-US" u="none" dirty="0" smtClean="0"/>
+                        <a:t>파일 내용</a:t>
+                      </a:r>
+                      <a:endParaRPr lang="ko-KR" altLang="en-US" u="none" dirty="0"/>
+                    </a:p>
+                  </a:txBody>
+                  <a:tcPr/>
+                </a:tc>
+              </a:tr>
+            </a:tbl>
+          </a:graphicData>
+        </a:graphic>
+      </p:graphicFrame>
+    </p:spTree>
+    <p:extLst>
+      <p:ext uri="{BB962C8B-B14F-4D97-AF65-F5344CB8AC3E}">
+        <p14:creationId xmlns:p14="http://schemas.microsoft.com/office/powerpoint/2010/main" val="4010344311"/>
       </p:ext>
     </p:extLst>
   </p:cSld>

--- a/nettySample/img/arch1.pptx
+++ b/nettySample/img/arch1.pptx
@@ -289,7 +289,7 @@
           <a:p>
             <a:fld id="{13F0C916-60D0-44A5-AE32-20FCC7917674}" type="datetimeFigureOut">
               <a:rPr lang="ko-KR" altLang="en-US" smtClean="0"/>
-              <a:t>2018-04-11</a:t>
+              <a:t>2018-04-16</a:t>
             </a:fld>
             <a:endParaRPr lang="ko-KR" altLang="en-US"/>
           </a:p>
@@ -459,7 +459,7 @@
           <a:p>
             <a:fld id="{13F0C916-60D0-44A5-AE32-20FCC7917674}" type="datetimeFigureOut">
               <a:rPr lang="ko-KR" altLang="en-US" smtClean="0"/>
-              <a:t>2018-04-11</a:t>
+              <a:t>2018-04-16</a:t>
             </a:fld>
             <a:endParaRPr lang="ko-KR" altLang="en-US"/>
           </a:p>
@@ -639,7 +639,7 @@
           <a:p>
             <a:fld id="{13F0C916-60D0-44A5-AE32-20FCC7917674}" type="datetimeFigureOut">
               <a:rPr lang="ko-KR" altLang="en-US" smtClean="0"/>
-              <a:t>2018-04-11</a:t>
+              <a:t>2018-04-16</a:t>
             </a:fld>
             <a:endParaRPr lang="ko-KR" altLang="en-US"/>
           </a:p>
@@ -809,7 +809,7 @@
           <a:p>
             <a:fld id="{13F0C916-60D0-44A5-AE32-20FCC7917674}" type="datetimeFigureOut">
               <a:rPr lang="ko-KR" altLang="en-US" smtClean="0"/>
-              <a:t>2018-04-11</a:t>
+              <a:t>2018-04-16</a:t>
             </a:fld>
             <a:endParaRPr lang="ko-KR" altLang="en-US"/>
           </a:p>
@@ -1055,7 +1055,7 @@
           <a:p>
             <a:fld id="{13F0C916-60D0-44A5-AE32-20FCC7917674}" type="datetimeFigureOut">
               <a:rPr lang="ko-KR" altLang="en-US" smtClean="0"/>
-              <a:t>2018-04-11</a:t>
+              <a:t>2018-04-16</a:t>
             </a:fld>
             <a:endParaRPr lang="ko-KR" altLang="en-US"/>
           </a:p>
@@ -1343,7 +1343,7 @@
           <a:p>
             <a:fld id="{13F0C916-60D0-44A5-AE32-20FCC7917674}" type="datetimeFigureOut">
               <a:rPr lang="ko-KR" altLang="en-US" smtClean="0"/>
-              <a:t>2018-04-11</a:t>
+              <a:t>2018-04-16</a:t>
             </a:fld>
             <a:endParaRPr lang="ko-KR" altLang="en-US"/>
           </a:p>
@@ -1765,7 +1765,7 @@
           <a:p>
             <a:fld id="{13F0C916-60D0-44A5-AE32-20FCC7917674}" type="datetimeFigureOut">
               <a:rPr lang="ko-KR" altLang="en-US" smtClean="0"/>
-              <a:t>2018-04-11</a:t>
+              <a:t>2018-04-16</a:t>
             </a:fld>
             <a:endParaRPr lang="ko-KR" altLang="en-US"/>
           </a:p>
@@ -1883,7 +1883,7 @@
           <a:p>
             <a:fld id="{13F0C916-60D0-44A5-AE32-20FCC7917674}" type="datetimeFigureOut">
               <a:rPr lang="ko-KR" altLang="en-US" smtClean="0"/>
-              <a:t>2018-04-11</a:t>
+              <a:t>2018-04-16</a:t>
             </a:fld>
             <a:endParaRPr lang="ko-KR" altLang="en-US"/>
           </a:p>
@@ -1978,7 +1978,7 @@
           <a:p>
             <a:fld id="{13F0C916-60D0-44A5-AE32-20FCC7917674}" type="datetimeFigureOut">
               <a:rPr lang="ko-KR" altLang="en-US" smtClean="0"/>
-              <a:t>2018-04-11</a:t>
+              <a:t>2018-04-16</a:t>
             </a:fld>
             <a:endParaRPr lang="ko-KR" altLang="en-US"/>
           </a:p>
@@ -2255,7 +2255,7 @@
           <a:p>
             <a:fld id="{13F0C916-60D0-44A5-AE32-20FCC7917674}" type="datetimeFigureOut">
               <a:rPr lang="ko-KR" altLang="en-US" smtClean="0"/>
-              <a:t>2018-04-11</a:t>
+              <a:t>2018-04-16</a:t>
             </a:fld>
             <a:endParaRPr lang="ko-KR" altLang="en-US"/>
           </a:p>
@@ -2508,7 +2508,7 @@
           <a:p>
             <a:fld id="{13F0C916-60D0-44A5-AE32-20FCC7917674}" type="datetimeFigureOut">
               <a:rPr lang="ko-KR" altLang="en-US" smtClean="0"/>
-              <a:t>2018-04-11</a:t>
+              <a:t>2018-04-16</a:t>
             </a:fld>
             <a:endParaRPr lang="ko-KR" altLang="en-US"/>
           </a:p>
@@ -2721,7 +2721,7 @@
           <a:p>
             <a:fld id="{13F0C916-60D0-44A5-AE32-20FCC7917674}" type="datetimeFigureOut">
               <a:rPr lang="ko-KR" altLang="en-US" smtClean="0"/>
-              <a:t>2018-04-11</a:t>
+              <a:t>2018-04-16</a:t>
             </a:fld>
             <a:endParaRPr lang="ko-KR" altLang="en-US"/>
           </a:p>
@@ -3989,7 +3989,7 @@
         </p:nvSpPr>
         <p:spPr>
           <a:xfrm>
-            <a:off x="606679" y="461128"/>
+            <a:off x="606679" y="692696"/>
             <a:ext cx="1872208" cy="1584176"/>
           </a:xfrm>
           <a:prstGeom prst="round2SameRect">
@@ -4030,7 +4030,7 @@
         </p:nvSpPr>
         <p:spPr>
           <a:xfrm>
-            <a:off x="606679" y="1109200"/>
+            <a:off x="606679" y="1340768"/>
             <a:ext cx="1872208" cy="369332"/>
           </a:xfrm>
           <a:prstGeom prst="rect">
@@ -4053,40 +4053,6 @@
           </a:p>
         </p:txBody>
       </p:sp>
-      <p:cxnSp>
-        <p:nvCxnSpPr>
-          <p:cNvPr id="59" name="직선 화살표 연결선 58"/>
-          <p:cNvCxnSpPr/>
-          <p:nvPr/>
-        </p:nvCxnSpPr>
-        <p:spPr>
-          <a:xfrm>
-            <a:off x="2478887" y="894377"/>
-            <a:ext cx="3816422" cy="14343"/>
-          </a:xfrm>
-          <a:prstGeom prst="straightConnector1">
-            <a:avLst/>
-          </a:prstGeom>
-          <a:ln w="25400">
-            <a:headEnd type="none"/>
-            <a:tailEnd type="arrow"/>
-          </a:ln>
-        </p:spPr>
-        <p:style>
-          <a:lnRef idx="1">
-            <a:schemeClr val="accent1"/>
-          </a:lnRef>
-          <a:fillRef idx="0">
-            <a:schemeClr val="accent1"/>
-          </a:fillRef>
-          <a:effectRef idx="0">
-            <a:schemeClr val="accent1"/>
-          </a:effectRef>
-          <a:fontRef idx="minor">
-            <a:schemeClr val="tx1"/>
-          </a:fontRef>
-        </p:style>
-      </p:cxnSp>
       <p:sp>
         <p:nvSpPr>
           <p:cNvPr id="15" name="양쪽 모서리가 둥근 사각형 14"/>
@@ -4095,7 +4061,7 @@
         </p:nvSpPr>
         <p:spPr>
           <a:xfrm>
-            <a:off x="6306397" y="461128"/>
+            <a:off x="6306397" y="692696"/>
             <a:ext cx="1872208" cy="1584176"/>
           </a:xfrm>
           <a:prstGeom prst="round2SameRect">
@@ -4128,92 +4094,588 @@
           </a:p>
         </p:txBody>
       </p:sp>
-      <p:sp>
-        <p:nvSpPr>
-          <p:cNvPr id="16" name="TextBox 15"/>
-          <p:cNvSpPr txBox="1"/>
-          <p:nvPr/>
-        </p:nvSpPr>
-        <p:spPr>
-          <a:xfrm>
-            <a:off x="6306397" y="1109200"/>
-            <a:ext cx="1872208" cy="369332"/>
-          </a:xfrm>
-          <a:prstGeom prst="rect">
-            <a:avLst/>
-          </a:prstGeom>
-          <a:noFill/>
-        </p:spPr>
-        <p:txBody>
-          <a:bodyPr wrap="square" rtlCol="0">
-            <a:spAutoFit/>
-          </a:bodyPr>
-          <a:lstStyle/>
-          <a:p>
-            <a:pPr algn="ctr"/>
-            <a:r>
-              <a:rPr lang="en-US" altLang="ko-KR" dirty="0" smtClean="0"/>
-              <a:t>Server</a:t>
-            </a:r>
-            <a:endParaRPr lang="ko-KR" altLang="en-US" dirty="0"/>
-          </a:p>
-        </p:txBody>
-      </p:sp>
-      <p:sp>
-        <p:nvSpPr>
-          <p:cNvPr id="2" name="TextBox 1"/>
-          <p:cNvSpPr txBox="1"/>
-          <p:nvPr/>
-        </p:nvSpPr>
-        <p:spPr>
-          <a:xfrm>
-            <a:off x="2699792" y="539388"/>
-            <a:ext cx="2664296" cy="369332"/>
-          </a:xfrm>
-          <a:prstGeom prst="rect">
-            <a:avLst/>
-          </a:prstGeom>
-          <a:noFill/>
-        </p:spPr>
-        <p:txBody>
-          <a:bodyPr wrap="square" rtlCol="0">
-            <a:spAutoFit/>
-          </a:bodyPr>
-          <a:lstStyle/>
-          <a:p>
-            <a:r>
-              <a:rPr lang="en-US" altLang="ko-KR" dirty="0" smtClean="0"/>
-              <a:t>1. </a:t>
-            </a:r>
-            <a:r>
-              <a:rPr lang="ko-KR" altLang="en-US" dirty="0" smtClean="0"/>
-              <a:t>요청 단문</a:t>
-            </a:r>
-            <a:r>
-              <a:rPr lang="en-US" altLang="ko-KR" dirty="0" smtClean="0"/>
-              <a:t>(String)</a:t>
-            </a:r>
-            <a:endParaRPr lang="ko-KR" altLang="en-US" dirty="0"/>
-          </a:p>
-        </p:txBody>
-      </p:sp>
+      <p:graphicFrame>
+        <p:nvGraphicFramePr>
+          <p:cNvPr id="26" name="표 25"/>
+          <p:cNvGraphicFramePr>
+            <a:graphicFrameLocks noGrp="1"/>
+          </p:cNvGraphicFramePr>
+          <p:nvPr>
+            <p:extLst>
+              <p:ext uri="{D42A27DB-BD31-4B8C-83A1-F6EECF244321}">
+                <p14:modId xmlns:p14="http://schemas.microsoft.com/office/powerpoint/2010/main" val="3089124135"/>
+              </p:ext>
+            </p:extLst>
+          </p:nvPr>
+        </p:nvGraphicFramePr>
+        <p:xfrm>
+          <a:off x="323528" y="2564904"/>
+          <a:ext cx="8589930" cy="2966720"/>
+        </p:xfrm>
+        <a:graphic>
+          <a:graphicData uri="http://schemas.openxmlformats.org/drawingml/2006/table">
+            <a:tbl>
+              <a:tblPr firstRow="1" bandRow="1">
+                <a:tableStyleId>{5C22544A-7EE6-4342-B048-85BDC9FD1C3A}</a:tableStyleId>
+              </a:tblPr>
+              <a:tblGrid>
+                <a:gridCol w="1440160"/>
+                <a:gridCol w="2232248"/>
+                <a:gridCol w="1821178"/>
+                <a:gridCol w="3096344"/>
+              </a:tblGrid>
+              <a:tr h="370840">
+                <a:tc>
+                  <a:txBody>
+                    <a:bodyPr/>
+                    <a:lstStyle/>
+                    <a:p>
+                      <a:pPr algn="ctr" latinLnBrk="1"/>
+                      <a:r>
+                        <a:rPr lang="en-US" altLang="ko-KR" dirty="0" smtClean="0"/>
+                        <a:t>AREA</a:t>
+                      </a:r>
+                      <a:endParaRPr lang="ko-KR" altLang="en-US" dirty="0"/>
+                    </a:p>
+                  </a:txBody>
+                  <a:tcPr/>
+                </a:tc>
+                <a:tc>
+                  <a:txBody>
+                    <a:bodyPr/>
+                    <a:lstStyle/>
+                    <a:p>
+                      <a:pPr latinLnBrk="1"/>
+                      <a:r>
+                        <a:rPr lang="en-US" altLang="ko-KR" dirty="0" smtClean="0"/>
+                        <a:t>Field</a:t>
+                      </a:r>
+                      <a:r>
+                        <a:rPr lang="en-US" altLang="ko-KR" baseline="0" dirty="0" smtClean="0"/>
+                        <a:t> Name</a:t>
+                      </a:r>
+                      <a:endParaRPr lang="ko-KR" altLang="en-US" dirty="0"/>
+                    </a:p>
+                  </a:txBody>
+                  <a:tcPr/>
+                </a:tc>
+                <a:tc>
+                  <a:txBody>
+                    <a:bodyPr/>
+                    <a:lstStyle/>
+                    <a:p>
+                      <a:pPr latinLnBrk="1"/>
+                      <a:r>
+                        <a:rPr lang="en-US" altLang="ko-KR" dirty="0" smtClean="0"/>
+                        <a:t>Length</a:t>
+                      </a:r>
+                      <a:endParaRPr lang="ko-KR" altLang="en-US" dirty="0"/>
+                    </a:p>
+                  </a:txBody>
+                  <a:tcPr/>
+                </a:tc>
+                <a:tc>
+                  <a:txBody>
+                    <a:bodyPr/>
+                    <a:lstStyle/>
+                    <a:p>
+                      <a:pPr latinLnBrk="1"/>
+                      <a:r>
+                        <a:rPr lang="en-US" altLang="ko-KR" dirty="0" smtClean="0"/>
+                        <a:t>description</a:t>
+                      </a:r>
+                      <a:endParaRPr lang="ko-KR" altLang="en-US" dirty="0"/>
+                    </a:p>
+                  </a:txBody>
+                  <a:tcPr/>
+                </a:tc>
+              </a:tr>
+              <a:tr h="370840">
+                <a:tc rowSpan="6">
+                  <a:txBody>
+                    <a:bodyPr/>
+                    <a:lstStyle/>
+                    <a:p>
+                      <a:pPr algn="ctr"/>
+                      <a:r>
+                        <a:rPr lang="en-US" altLang="ko-KR" dirty="0" smtClean="0"/>
+                        <a:t>HEADER</a:t>
+                      </a:r>
+                      <a:endParaRPr lang="ko-KR" altLang="en-US" dirty="0"/>
+                    </a:p>
+                  </a:txBody>
+                  <a:tcPr/>
+                </a:tc>
+                <a:tc>
+                  <a:txBody>
+                    <a:bodyPr/>
+                    <a:lstStyle/>
+                    <a:p>
+                      <a:pPr latinLnBrk="1"/>
+                      <a:r>
+                        <a:rPr lang="en-US" altLang="ko-KR" sz="1800" i="1" u="none" kern="1200" dirty="0" smtClean="0">
+                          <a:solidFill>
+                            <a:schemeClr val="dk1"/>
+                          </a:solidFill>
+                          <a:latin typeface="+mn-lt"/>
+                          <a:ea typeface="+mn-ea"/>
+                          <a:cs typeface="+mn-cs"/>
+                        </a:rPr>
+                        <a:t>THIS_LENGTH</a:t>
+                      </a:r>
+                      <a:endParaRPr lang="ko-KR" altLang="en-US" u="none" dirty="0"/>
+                    </a:p>
+                  </a:txBody>
+                  <a:tcPr/>
+                </a:tc>
+                <a:tc>
+                  <a:txBody>
+                    <a:bodyPr/>
+                    <a:lstStyle/>
+                    <a:p>
+                      <a:pPr latinLnBrk="1"/>
+                      <a:r>
+                        <a:rPr lang="en-US" altLang="ko-KR" u="none" dirty="0" smtClean="0"/>
+                        <a:t>8</a:t>
+                      </a:r>
+                      <a:endParaRPr lang="ko-KR" altLang="en-US" u="none" dirty="0"/>
+                    </a:p>
+                  </a:txBody>
+                  <a:tcPr/>
+                </a:tc>
+                <a:tc>
+                  <a:txBody>
+                    <a:bodyPr/>
+                    <a:lstStyle/>
+                    <a:p>
+                      <a:pPr latinLnBrk="1"/>
+                      <a:r>
+                        <a:rPr lang="ko-KR" altLang="en-US" u="none" dirty="0" smtClean="0"/>
+                        <a:t>현재 보내는 전문 길이</a:t>
+                      </a:r>
+                      <a:endParaRPr lang="ko-KR" altLang="en-US" u="none" dirty="0"/>
+                    </a:p>
+                  </a:txBody>
+                  <a:tcPr/>
+                </a:tc>
+              </a:tr>
+              <a:tr h="370840">
+                <a:tc vMerge="1">
+                  <a:txBody>
+                    <a:bodyPr/>
+                    <a:lstStyle/>
+                    <a:p>
+                      <a:endParaRPr lang="ko-KR" altLang="en-US" dirty="0"/>
+                    </a:p>
+                  </a:txBody>
+                  <a:tcPr/>
+                </a:tc>
+                <a:tc>
+                  <a:txBody>
+                    <a:bodyPr/>
+                    <a:lstStyle/>
+                    <a:p>
+                      <a:pPr latinLnBrk="1"/>
+                      <a:r>
+                        <a:rPr lang="en-US" altLang="ko-KR" sz="1800" i="1" u="none" kern="1200" dirty="0" smtClean="0">
+                          <a:solidFill>
+                            <a:schemeClr val="dk1"/>
+                          </a:solidFill>
+                          <a:latin typeface="+mn-lt"/>
+                          <a:ea typeface="+mn-ea"/>
+                          <a:cs typeface="+mn-cs"/>
+                        </a:rPr>
+                        <a:t>CNT</a:t>
+                      </a:r>
+                      <a:endParaRPr lang="ko-KR" altLang="en-US" u="none" dirty="0"/>
+                    </a:p>
+                  </a:txBody>
+                  <a:tcPr/>
+                </a:tc>
+                <a:tc>
+                  <a:txBody>
+                    <a:bodyPr/>
+                    <a:lstStyle/>
+                    <a:p>
+                      <a:pPr latinLnBrk="1"/>
+                      <a:r>
+                        <a:rPr lang="en-US" altLang="ko-KR" u="none" dirty="0" smtClean="0"/>
+                        <a:t>8</a:t>
+                      </a:r>
+                      <a:endParaRPr lang="ko-KR" altLang="en-US" u="none" dirty="0"/>
+                    </a:p>
+                  </a:txBody>
+                  <a:tcPr/>
+                </a:tc>
+                <a:tc>
+                  <a:txBody>
+                    <a:bodyPr/>
+                    <a:lstStyle/>
+                    <a:p>
+                      <a:pPr latinLnBrk="1"/>
+                      <a:r>
+                        <a:rPr lang="ko-KR" altLang="en-US" u="none" dirty="0" smtClean="0"/>
+                        <a:t>몇 번째 전문인지</a:t>
+                      </a:r>
+                      <a:endParaRPr lang="ko-KR" altLang="en-US" u="none" dirty="0"/>
+                    </a:p>
+                  </a:txBody>
+                  <a:tcPr/>
+                </a:tc>
+              </a:tr>
+              <a:tr h="370840">
+                <a:tc vMerge="1">
+                  <a:txBody>
+                    <a:bodyPr/>
+                    <a:lstStyle/>
+                    <a:p>
+                      <a:endParaRPr lang="ko-KR" altLang="en-US" dirty="0"/>
+                    </a:p>
+                  </a:txBody>
+                  <a:tcPr/>
+                </a:tc>
+                <a:tc>
+                  <a:txBody>
+                    <a:bodyPr/>
+                    <a:lstStyle/>
+                    <a:p>
+                      <a:pPr latinLnBrk="1"/>
+                      <a:r>
+                        <a:rPr lang="en-US" altLang="ko-KR" sz="1800" i="1" u="none" kern="1200" dirty="0" smtClean="0">
+                          <a:solidFill>
+                            <a:schemeClr val="dk1"/>
+                          </a:solidFill>
+                          <a:latin typeface="+mn-lt"/>
+                          <a:ea typeface="+mn-ea"/>
+                          <a:cs typeface="+mn-cs"/>
+                        </a:rPr>
+                        <a:t>TOT_LENGTH</a:t>
+                      </a:r>
+                      <a:endParaRPr lang="ko-KR" altLang="en-US" u="none" dirty="0"/>
+                    </a:p>
+                  </a:txBody>
+                  <a:tcPr/>
+                </a:tc>
+                <a:tc>
+                  <a:txBody>
+                    <a:bodyPr/>
+                    <a:lstStyle/>
+                    <a:p>
+                      <a:pPr latinLnBrk="1"/>
+                      <a:r>
+                        <a:rPr lang="en-US" altLang="ko-KR" u="none" dirty="0" smtClean="0"/>
+                        <a:t>12</a:t>
+                      </a:r>
+                      <a:endParaRPr lang="ko-KR" altLang="en-US" u="none" dirty="0"/>
+                    </a:p>
+                  </a:txBody>
+                  <a:tcPr/>
+                </a:tc>
+                <a:tc>
+                  <a:txBody>
+                    <a:bodyPr/>
+                    <a:lstStyle/>
+                    <a:p>
+                      <a:pPr latinLnBrk="1"/>
+                      <a:r>
+                        <a:rPr lang="ko-KR" altLang="en-US" u="none" dirty="0" smtClean="0"/>
+                        <a:t>파일의 전체 길이</a:t>
+                      </a:r>
+                      <a:endParaRPr lang="ko-KR" altLang="en-US" u="none" dirty="0"/>
+                    </a:p>
+                  </a:txBody>
+                  <a:tcPr/>
+                </a:tc>
+              </a:tr>
+              <a:tr h="370840">
+                <a:tc vMerge="1">
+                  <a:txBody>
+                    <a:bodyPr/>
+                    <a:lstStyle/>
+                    <a:p>
+                      <a:endParaRPr lang="ko-KR" altLang="en-US" dirty="0"/>
+                    </a:p>
+                  </a:txBody>
+                  <a:tcPr/>
+                </a:tc>
+                <a:tc>
+                  <a:txBody>
+                    <a:bodyPr/>
+                    <a:lstStyle/>
+                    <a:p>
+                      <a:pPr latinLnBrk="1"/>
+                      <a:r>
+                        <a:rPr lang="en-US" altLang="ko-KR" sz="1800" i="1" u="none" kern="1200" dirty="0" smtClean="0">
+                          <a:solidFill>
+                            <a:schemeClr val="dk1"/>
+                          </a:solidFill>
+                          <a:latin typeface="+mn-lt"/>
+                          <a:ea typeface="+mn-ea"/>
+                          <a:cs typeface="+mn-cs"/>
+                        </a:rPr>
+                        <a:t>START</a:t>
+                      </a:r>
+                      <a:endParaRPr lang="ko-KR" altLang="en-US" u="none" dirty="0"/>
+                    </a:p>
+                  </a:txBody>
+                  <a:tcPr/>
+                </a:tc>
+                <a:tc>
+                  <a:txBody>
+                    <a:bodyPr/>
+                    <a:lstStyle/>
+                    <a:p>
+                      <a:pPr latinLnBrk="1"/>
+                      <a:r>
+                        <a:rPr lang="en-US" altLang="ko-KR" u="none" dirty="0" smtClean="0"/>
+                        <a:t>1</a:t>
+                      </a:r>
+                      <a:endParaRPr lang="ko-KR" altLang="en-US" u="none" dirty="0"/>
+                    </a:p>
+                  </a:txBody>
+                  <a:tcPr/>
+                </a:tc>
+                <a:tc>
+                  <a:txBody>
+                    <a:bodyPr/>
+                    <a:lstStyle/>
+                    <a:p>
+                      <a:pPr latinLnBrk="1"/>
+                      <a:r>
+                        <a:rPr lang="ko-KR" altLang="en-US" u="none" dirty="0" smtClean="0"/>
+                        <a:t>시작 전문</a:t>
+                      </a:r>
+                      <a:endParaRPr lang="ko-KR" altLang="en-US" u="none" dirty="0"/>
+                    </a:p>
+                  </a:txBody>
+                  <a:tcPr/>
+                </a:tc>
+              </a:tr>
+              <a:tr h="370840">
+                <a:tc vMerge="1">
+                  <a:txBody>
+                    <a:bodyPr/>
+                    <a:lstStyle/>
+                    <a:p>
+                      <a:endParaRPr lang="ko-KR" altLang="en-US" dirty="0"/>
+                    </a:p>
+                  </a:txBody>
+                  <a:tcPr/>
+                </a:tc>
+                <a:tc>
+                  <a:txBody>
+                    <a:bodyPr/>
+                    <a:lstStyle/>
+                    <a:p>
+                      <a:pPr latinLnBrk="1"/>
+                      <a:r>
+                        <a:rPr lang="en-US" altLang="ko-KR" sz="1800" i="1" u="none" kern="1200" dirty="0" smtClean="0">
+                          <a:solidFill>
+                            <a:schemeClr val="dk1"/>
+                          </a:solidFill>
+                          <a:latin typeface="+mn-lt"/>
+                          <a:ea typeface="+mn-ea"/>
+                          <a:cs typeface="+mn-cs"/>
+                        </a:rPr>
+                        <a:t>END</a:t>
+                      </a:r>
+                      <a:endParaRPr lang="ko-KR" altLang="en-US" u="none" dirty="0"/>
+                    </a:p>
+                  </a:txBody>
+                  <a:tcPr/>
+                </a:tc>
+                <a:tc>
+                  <a:txBody>
+                    <a:bodyPr/>
+                    <a:lstStyle/>
+                    <a:p>
+                      <a:pPr latinLnBrk="1"/>
+                      <a:r>
+                        <a:rPr lang="en-US" altLang="ko-KR" u="none" dirty="0" smtClean="0"/>
+                        <a:t>1</a:t>
+                      </a:r>
+                      <a:endParaRPr lang="ko-KR" altLang="en-US" u="none" dirty="0"/>
+                    </a:p>
+                  </a:txBody>
+                  <a:tcPr/>
+                </a:tc>
+                <a:tc>
+                  <a:txBody>
+                    <a:bodyPr/>
+                    <a:lstStyle/>
+                    <a:p>
+                      <a:pPr latinLnBrk="1"/>
+                      <a:r>
+                        <a:rPr lang="ko-KR" altLang="en-US" u="none" dirty="0" smtClean="0"/>
+                        <a:t>마지막 전문</a:t>
+                      </a:r>
+                      <a:endParaRPr lang="ko-KR" altLang="en-US" u="none" dirty="0"/>
+                    </a:p>
+                  </a:txBody>
+                  <a:tcPr/>
+                </a:tc>
+              </a:tr>
+              <a:tr h="370840">
+                <a:tc vMerge="1">
+                  <a:txBody>
+                    <a:bodyPr/>
+                    <a:lstStyle/>
+                    <a:p>
+                      <a:endParaRPr lang="ko-KR" altLang="en-US" dirty="0"/>
+                    </a:p>
+                  </a:txBody>
+                  <a:tcPr/>
+                </a:tc>
+                <a:tc>
+                  <a:txBody>
+                    <a:bodyPr/>
+                    <a:lstStyle/>
+                    <a:p>
+                      <a:pPr latinLnBrk="1"/>
+                      <a:r>
+                        <a:rPr lang="en-US" altLang="ko-KR" sz="1800" i="1" u="none" kern="1200" dirty="0" smtClean="0">
+                          <a:solidFill>
+                            <a:schemeClr val="dk1"/>
+                          </a:solidFill>
+                          <a:latin typeface="+mn-lt"/>
+                          <a:ea typeface="+mn-ea"/>
+                          <a:cs typeface="+mn-cs"/>
+                        </a:rPr>
+                        <a:t>FILLER</a:t>
+                      </a:r>
+                      <a:endParaRPr lang="ko-KR" altLang="en-US" u="none" dirty="0"/>
+                    </a:p>
+                  </a:txBody>
+                  <a:tcPr/>
+                </a:tc>
+                <a:tc>
+                  <a:txBody>
+                    <a:bodyPr/>
+                    <a:lstStyle/>
+                    <a:p>
+                      <a:pPr latinLnBrk="1"/>
+                      <a:r>
+                        <a:rPr lang="en-US" altLang="ko-KR" u="none" dirty="0" smtClean="0"/>
+                        <a:t>128</a:t>
+                      </a:r>
+                      <a:endParaRPr lang="ko-KR" altLang="en-US" u="none" dirty="0"/>
+                    </a:p>
+                  </a:txBody>
+                  <a:tcPr/>
+                </a:tc>
+                <a:tc>
+                  <a:txBody>
+                    <a:bodyPr/>
+                    <a:lstStyle/>
+                    <a:p>
+                      <a:pPr latinLnBrk="1"/>
+                      <a:r>
+                        <a:rPr lang="ko-KR" altLang="en-US" u="none" dirty="0" smtClean="0"/>
+                        <a:t>여유 공간</a:t>
+                      </a:r>
+                      <a:endParaRPr lang="ko-KR" altLang="en-US" u="none" dirty="0"/>
+                    </a:p>
+                  </a:txBody>
+                  <a:tcPr/>
+                </a:tc>
+              </a:tr>
+              <a:tr h="370840">
+                <a:tc>
+                  <a:txBody>
+                    <a:bodyPr/>
+                    <a:lstStyle/>
+                    <a:p>
+                      <a:pPr algn="ctr" latinLnBrk="1"/>
+                      <a:r>
+                        <a:rPr lang="en-US" altLang="ko-KR" sz="1800" u="none" kern="1200" dirty="0" smtClean="0">
+                          <a:solidFill>
+                            <a:schemeClr val="dk1"/>
+                          </a:solidFill>
+                          <a:latin typeface="+mn-lt"/>
+                          <a:ea typeface="+mn-ea"/>
+                          <a:cs typeface="+mn-cs"/>
+                        </a:rPr>
+                        <a:t>DATA</a:t>
+                      </a:r>
+                      <a:endParaRPr lang="ko-KR" altLang="en-US" u="none" dirty="0"/>
+                    </a:p>
+                  </a:txBody>
+                  <a:tcPr/>
+                </a:tc>
+                <a:tc>
+                  <a:txBody>
+                    <a:bodyPr/>
+                    <a:lstStyle/>
+                    <a:p>
+                      <a:pPr latinLnBrk="1"/>
+                      <a:r>
+                        <a:rPr lang="en-US" altLang="ko-KR" sz="1800" u="none" kern="1200" dirty="0" smtClean="0">
+                          <a:solidFill>
+                            <a:schemeClr val="dk1"/>
+                          </a:solidFill>
+                          <a:latin typeface="+mn-lt"/>
+                          <a:ea typeface="+mn-ea"/>
+                          <a:cs typeface="+mn-cs"/>
+                        </a:rPr>
+                        <a:t>DATA</a:t>
+                      </a:r>
+                      <a:endParaRPr lang="ko-KR" altLang="en-US" u="none" dirty="0"/>
+                    </a:p>
+                  </a:txBody>
+                  <a:tcPr/>
+                </a:tc>
+                <a:tc>
+                  <a:txBody>
+                    <a:bodyPr/>
+                    <a:lstStyle/>
+                    <a:p>
+                      <a:pPr latinLnBrk="1"/>
+                      <a:r>
+                        <a:rPr lang="ko-KR" altLang="en-US" u="none" dirty="0" smtClean="0"/>
+                        <a:t>가변</a:t>
+                      </a:r>
+                      <a:endParaRPr lang="ko-KR" altLang="en-US" u="none" dirty="0"/>
+                    </a:p>
+                  </a:txBody>
+                  <a:tcPr/>
+                </a:tc>
+                <a:tc>
+                  <a:txBody>
+                    <a:bodyPr/>
+                    <a:lstStyle/>
+                    <a:p>
+                      <a:pPr latinLnBrk="1"/>
+                      <a:r>
+                        <a:rPr lang="ko-KR" altLang="en-US" u="none" dirty="0" smtClean="0"/>
+                        <a:t>내용</a:t>
+                      </a:r>
+                      <a:endParaRPr lang="ko-KR" altLang="en-US" u="none" dirty="0"/>
+                    </a:p>
+                  </a:txBody>
+                  <a:tcPr/>
+                </a:tc>
+              </a:tr>
+            </a:tbl>
+          </a:graphicData>
+        </a:graphic>
+      </p:graphicFrame>
       <p:cxnSp>
         <p:nvCxnSpPr>
-          <p:cNvPr id="18" name="직선 화살표 연결선 17"/>
+          <p:cNvPr id="17" name="직선 화살표 연결선 16"/>
           <p:cNvCxnSpPr/>
           <p:nvPr/>
         </p:nvCxnSpPr>
         <p:spPr>
           <a:xfrm>
-            <a:off x="2478887" y="1335717"/>
+            <a:off x="2478887" y="1136783"/>
             <a:ext cx="3816422" cy="14343"/>
           </a:xfrm>
           <a:prstGeom prst="straightConnector1">
             <a:avLst/>
           </a:prstGeom>
           <a:ln w="25400">
-            <a:headEnd type="arrow"/>
-            <a:tailEnd type="none"/>
+            <a:headEnd type="none"/>
+            <a:tailEnd type="triangle"/>
           </a:ln>
         </p:spPr>
         <p:style>
@@ -4231,16 +4693,84 @@
           </a:fontRef>
         </p:style>
       </p:cxnSp>
-      <p:sp>
-        <p:nvSpPr>
-          <p:cNvPr id="19" name="TextBox 18"/>
+      <p:cxnSp>
+        <p:nvCxnSpPr>
+          <p:cNvPr id="28" name="직선 화살표 연결선 27"/>
+          <p:cNvCxnSpPr/>
+          <p:nvPr/>
+        </p:nvCxnSpPr>
+        <p:spPr>
+          <a:xfrm>
+            <a:off x="2478887" y="1250282"/>
+            <a:ext cx="3816422" cy="14343"/>
+          </a:xfrm>
+          <a:prstGeom prst="straightConnector1">
+            <a:avLst/>
+          </a:prstGeom>
+          <a:ln w="25400">
+            <a:headEnd type="none"/>
+            <a:tailEnd type="triangle"/>
+          </a:ln>
+        </p:spPr>
+        <p:style>
+          <a:lnRef idx="1">
+            <a:schemeClr val="accent1"/>
+          </a:lnRef>
+          <a:fillRef idx="0">
+            <a:schemeClr val="accent1"/>
+          </a:fillRef>
+          <a:effectRef idx="0">
+            <a:schemeClr val="accent1"/>
+          </a:effectRef>
+          <a:fontRef idx="minor">
+            <a:schemeClr val="tx1"/>
+          </a:fontRef>
+        </p:style>
+      </p:cxnSp>
+      <p:cxnSp>
+        <p:nvCxnSpPr>
+          <p:cNvPr id="29" name="직선 화살표 연결선 28"/>
+          <p:cNvCxnSpPr/>
+          <p:nvPr/>
+        </p:nvCxnSpPr>
+        <p:spPr>
+          <a:xfrm>
+            <a:off x="2478887" y="1341969"/>
+            <a:ext cx="3816422" cy="14343"/>
+          </a:xfrm>
+          <a:prstGeom prst="straightConnector1">
+            <a:avLst/>
+          </a:prstGeom>
+          <a:ln w="25400">
+            <a:headEnd type="none"/>
+            <a:tailEnd type="triangle"/>
+          </a:ln>
+        </p:spPr>
+        <p:style>
+          <a:lnRef idx="1">
+            <a:schemeClr val="accent1"/>
+          </a:lnRef>
+          <a:fillRef idx="0">
+            <a:schemeClr val="accent1"/>
+          </a:fillRef>
+          <a:effectRef idx="0">
+            <a:schemeClr val="accent1"/>
+          </a:effectRef>
+          <a:fontRef idx="minor">
+            <a:schemeClr val="tx1"/>
+          </a:fontRef>
+        </p:style>
+      </p:cxnSp>
+      <p:sp>
+        <p:nvSpPr>
+          <p:cNvPr id="30" name="TextBox 29"/>
           <p:cNvSpPr txBox="1"/>
           <p:nvPr/>
         </p:nvSpPr>
         <p:spPr>
           <a:xfrm>
-            <a:off x="2699792" y="980728"/>
-            <a:ext cx="3456384" cy="369332"/>
+            <a:off x="6313292" y="1340768"/>
+            <a:ext cx="1872208" cy="369332"/>
           </a:xfrm>
           <a:prstGeom prst="rect">
             <a:avLst/>
@@ -4253,29 +4783,10 @@
           </a:bodyPr>
           <a:lstStyle/>
           <a:p>
-            <a:r>
-              <a:rPr lang="en-US" altLang="ko-KR" dirty="0"/>
-              <a:t>2</a:t>
-            </a:r>
+            <a:pPr algn="ctr"/>
             <a:r>
               <a:rPr lang="en-US" altLang="ko-KR" dirty="0" smtClean="0"/>
-              <a:t>. </a:t>
-            </a:r>
-            <a:r>
-              <a:rPr lang="ko-KR" altLang="en-US" dirty="0" smtClean="0"/>
-              <a:t>응</a:t>
-            </a:r>
-            <a:r>
-              <a:rPr lang="ko-KR" altLang="en-US" dirty="0"/>
-              <a:t>답</a:t>
-            </a:r>
-            <a:r>
-              <a:rPr lang="ko-KR" altLang="en-US" dirty="0" smtClean="0"/>
-              <a:t> 장문</a:t>
-            </a:r>
-            <a:r>
-              <a:rPr lang="en-US" altLang="ko-KR" dirty="0" smtClean="0"/>
-              <a:t>(FixedLengthVO2)</a:t>
+              <a:t>Server</a:t>
             </a:r>
             <a:endParaRPr lang="ko-KR" altLang="en-US" dirty="0"/>
           </a:p>
@@ -4283,20 +4794,20 @@
       </p:sp>
       <p:cxnSp>
         <p:nvCxnSpPr>
-          <p:cNvPr id="20" name="직선 화살표 연결선 19"/>
+          <p:cNvPr id="31" name="직선 화살표 연결선 30"/>
           <p:cNvCxnSpPr/>
           <p:nvPr/>
         </p:nvCxnSpPr>
         <p:spPr>
           <a:xfrm>
-            <a:off x="2478887" y="1428320"/>
+            <a:off x="2478887" y="1890885"/>
             <a:ext cx="3816422" cy="14343"/>
           </a:xfrm>
           <a:prstGeom prst="straightConnector1">
             <a:avLst/>
           </a:prstGeom>
           <a:ln w="25400">
-            <a:headEnd type="arrow"/>
+            <a:headEnd type="triangle"/>
             <a:tailEnd type="none"/>
           </a:ln>
         </p:spPr>
@@ -4317,20 +4828,20 @@
       </p:cxnSp>
       <p:cxnSp>
         <p:nvCxnSpPr>
-          <p:cNvPr id="21" name="직선 화살표 연결선 20"/>
+          <p:cNvPr id="32" name="직선 화살표 연결선 31"/>
           <p:cNvCxnSpPr/>
           <p:nvPr/>
         </p:nvCxnSpPr>
         <p:spPr>
           <a:xfrm>
-            <a:off x="2478887" y="1500328"/>
-            <a:ext cx="3816422" cy="27951"/>
+            <a:off x="2478887" y="2004384"/>
+            <a:ext cx="3816422" cy="14343"/>
           </a:xfrm>
           <a:prstGeom prst="straightConnector1">
             <a:avLst/>
           </a:prstGeom>
           <a:ln w="25400">
-            <a:headEnd type="arrow"/>
+            <a:headEnd type="triangle"/>
             <a:tailEnd type="none"/>
           </a:ln>
         </p:spPr>
@@ -4351,20 +4862,20 @@
       </p:cxnSp>
       <p:cxnSp>
         <p:nvCxnSpPr>
-          <p:cNvPr id="22" name="직선 화살표 연결선 21"/>
+          <p:cNvPr id="33" name="직선 화살표 연결선 32"/>
           <p:cNvCxnSpPr/>
           <p:nvPr/>
         </p:nvCxnSpPr>
         <p:spPr>
           <a:xfrm>
-            <a:off x="2478887" y="1595174"/>
+            <a:off x="2478887" y="2096071"/>
             <a:ext cx="3816422" cy="14343"/>
           </a:xfrm>
           <a:prstGeom prst="straightConnector1">
             <a:avLst/>
           </a:prstGeom>
           <a:ln w="25400">
-            <a:headEnd type="arrow"/>
+            <a:headEnd type="triangle"/>
             <a:tailEnd type="none"/>
           </a:ln>
         </p:spPr>
@@ -4383,84 +4894,16 @@
           </a:fontRef>
         </p:style>
       </p:cxnSp>
-      <p:cxnSp>
-        <p:nvCxnSpPr>
-          <p:cNvPr id="23" name="직선 화살표 연결선 22"/>
-          <p:cNvCxnSpPr/>
+      <p:sp>
+        <p:nvSpPr>
+          <p:cNvPr id="34" name="TextBox 33"/>
+          <p:cNvSpPr txBox="1"/>
           <p:nvPr/>
-        </p:nvCxnSpPr>
+        </p:nvSpPr>
         <p:spPr>
           <a:xfrm>
-            <a:off x="2478887" y="1687777"/>
-            <a:ext cx="3816422" cy="14343"/>
-          </a:xfrm>
-          <a:prstGeom prst="straightConnector1">
-            <a:avLst/>
-          </a:prstGeom>
-          <a:ln w="25400">
-            <a:headEnd type="arrow"/>
-            <a:tailEnd type="none"/>
-          </a:ln>
-        </p:spPr>
-        <p:style>
-          <a:lnRef idx="1">
-            <a:schemeClr val="accent1"/>
-          </a:lnRef>
-          <a:fillRef idx="0">
-            <a:schemeClr val="accent1"/>
-          </a:fillRef>
-          <a:effectRef idx="0">
-            <a:schemeClr val="accent1"/>
-          </a:effectRef>
-          <a:fontRef idx="minor">
-            <a:schemeClr val="tx1"/>
-          </a:fontRef>
-        </p:style>
-      </p:cxnSp>
-      <p:cxnSp>
-        <p:nvCxnSpPr>
-          <p:cNvPr id="24" name="직선 화살표 연결선 23"/>
-          <p:cNvCxnSpPr/>
-          <p:nvPr/>
-        </p:nvCxnSpPr>
-        <p:spPr>
-          <a:xfrm>
-            <a:off x="2478887" y="1759785"/>
-            <a:ext cx="3816422" cy="27951"/>
-          </a:xfrm>
-          <a:prstGeom prst="straightConnector1">
-            <a:avLst/>
-          </a:prstGeom>
-          <a:ln w="25400">
-            <a:headEnd type="arrow"/>
-            <a:tailEnd type="none"/>
-          </a:ln>
-        </p:spPr>
-        <p:style>
-          <a:lnRef idx="1">
-            <a:schemeClr val="accent1"/>
-          </a:lnRef>
-          <a:fillRef idx="0">
-            <a:schemeClr val="accent1"/>
-          </a:fillRef>
-          <a:effectRef idx="0">
-            <a:schemeClr val="accent1"/>
-          </a:effectRef>
-          <a:fontRef idx="minor">
-            <a:schemeClr val="tx1"/>
-          </a:fontRef>
-        </p:style>
-      </p:cxnSp>
-      <p:sp>
-        <p:nvSpPr>
-          <p:cNvPr id="25" name="TextBox 24"/>
-          <p:cNvSpPr txBox="1"/>
-          <p:nvPr/>
-        </p:nvSpPr>
-        <p:spPr>
-          <a:xfrm>
-            <a:off x="323528" y="2339588"/>
-            <a:ext cx="3024336" cy="400110"/>
+            <a:off x="2478887" y="1358982"/>
+            <a:ext cx="3816421" cy="400110"/>
           </a:xfrm>
           <a:prstGeom prst="rect">
             <a:avLst/>
@@ -4473,6 +4916,7 @@
           </a:bodyPr>
           <a:lstStyle/>
           <a:p>
+            <a:pPr algn="ctr"/>
             <a:r>
               <a:rPr lang="en-US" altLang="ko-KR" sz="2000" dirty="0" smtClean="0"/>
               <a:t>FixedLengthVO2</a:t>
@@ -4481,468 +4925,105 @@
           </a:p>
         </p:txBody>
       </p:sp>
-      <p:graphicFrame>
-        <p:nvGraphicFramePr>
-          <p:cNvPr id="26" name="표 25"/>
-          <p:cNvGraphicFramePr>
-            <a:graphicFrameLocks noGrp="1"/>
-          </p:cNvGraphicFramePr>
-          <p:nvPr>
-            <p:extLst>
-              <p:ext uri="{D42A27DB-BD31-4B8C-83A1-F6EECF244321}">
-                <p14:modId xmlns:p14="http://schemas.microsoft.com/office/powerpoint/2010/main" val="872796349"/>
-              </p:ext>
-            </p:extLst>
-          </p:nvPr>
-        </p:nvGraphicFramePr>
-        <p:xfrm>
-          <a:off x="323528" y="2760715"/>
-          <a:ext cx="8352928" cy="2966720"/>
-        </p:xfrm>
-        <a:graphic>
-          <a:graphicData uri="http://schemas.openxmlformats.org/drawingml/2006/table">
-            <a:tbl>
-              <a:tblPr firstRow="1" bandRow="1">
-                <a:tableStyleId>{5C22544A-7EE6-4342-B048-85BDC9FD1C3A}</a:tableStyleId>
-              </a:tblPr>
-              <a:tblGrid>
-                <a:gridCol w="2032000"/>
-                <a:gridCol w="2032000"/>
-                <a:gridCol w="4288928"/>
-              </a:tblGrid>
-              <a:tr h="370840">
-                <a:tc>
-                  <a:txBody>
-                    <a:bodyPr/>
-                    <a:lstStyle/>
-                    <a:p>
-                      <a:pPr latinLnBrk="1"/>
-                      <a:r>
-                        <a:rPr lang="en-US" altLang="ko-KR" dirty="0" smtClean="0"/>
-                        <a:t>Field</a:t>
-                      </a:r>
-                      <a:r>
-                        <a:rPr lang="en-US" altLang="ko-KR" baseline="0" dirty="0" smtClean="0"/>
-                        <a:t> Name</a:t>
-                      </a:r>
-                      <a:endParaRPr lang="ko-KR" altLang="en-US" dirty="0"/>
-                    </a:p>
-                  </a:txBody>
-                  <a:tcPr/>
-                </a:tc>
-                <a:tc>
-                  <a:txBody>
-                    <a:bodyPr/>
-                    <a:lstStyle/>
-                    <a:p>
-                      <a:pPr latinLnBrk="1"/>
-                      <a:r>
-                        <a:rPr lang="en-US" altLang="ko-KR" dirty="0" smtClean="0"/>
-                        <a:t>Length</a:t>
-                      </a:r>
-                      <a:endParaRPr lang="ko-KR" altLang="en-US" dirty="0"/>
-                    </a:p>
-                  </a:txBody>
-                  <a:tcPr/>
-                </a:tc>
-                <a:tc>
-                  <a:txBody>
-                    <a:bodyPr/>
-                    <a:lstStyle/>
-                    <a:p>
-                      <a:pPr latinLnBrk="1"/>
-                      <a:r>
-                        <a:rPr lang="en-US" altLang="ko-KR" dirty="0" smtClean="0"/>
-                        <a:t>description</a:t>
-                      </a:r>
-                      <a:endParaRPr lang="ko-KR" altLang="en-US" dirty="0"/>
-                    </a:p>
-                  </a:txBody>
-                  <a:tcPr/>
-                </a:tc>
-              </a:tr>
-              <a:tr h="370840">
-                <a:tc>
-                  <a:txBody>
-                    <a:bodyPr/>
-                    <a:lstStyle/>
-                    <a:p>
-                      <a:pPr latinLnBrk="1"/>
-                      <a:r>
-                        <a:rPr lang="en-US" altLang="ko-KR" sz="1800" i="1" u="none" kern="1200" dirty="0" smtClean="0">
-                          <a:solidFill>
-                            <a:schemeClr val="dk1"/>
-                          </a:solidFill>
-                          <a:latin typeface="+mn-lt"/>
-                          <a:ea typeface="+mn-ea"/>
-                          <a:cs typeface="+mn-cs"/>
-                        </a:rPr>
-                        <a:t>THIS_LENGTH</a:t>
-                      </a:r>
-                      <a:endParaRPr lang="ko-KR" altLang="en-US" u="none" dirty="0"/>
-                    </a:p>
-                  </a:txBody>
-                  <a:tcPr/>
-                </a:tc>
-                <a:tc>
-                  <a:txBody>
-                    <a:bodyPr/>
-                    <a:lstStyle/>
-                    <a:p>
-                      <a:pPr latinLnBrk="1"/>
-                      <a:r>
-                        <a:rPr lang="en-US" altLang="ko-KR" u="none" dirty="0" smtClean="0"/>
-                        <a:t>8</a:t>
-                      </a:r>
-                      <a:endParaRPr lang="ko-KR" altLang="en-US" u="none" dirty="0"/>
-                    </a:p>
-                  </a:txBody>
-                  <a:tcPr/>
-                </a:tc>
-                <a:tc>
-                  <a:txBody>
-                    <a:bodyPr/>
-                    <a:lstStyle/>
-                    <a:p>
-                      <a:pPr latinLnBrk="1"/>
-                      <a:r>
-                        <a:rPr lang="ko-KR" altLang="en-US" u="none" dirty="0" smtClean="0"/>
-                        <a:t>현재 보내는 전문 길이</a:t>
-                      </a:r>
-                      <a:endParaRPr lang="ko-KR" altLang="en-US" u="none" dirty="0"/>
-                    </a:p>
-                  </a:txBody>
-                  <a:tcPr/>
-                </a:tc>
-              </a:tr>
-              <a:tr h="370840">
-                <a:tc>
-                  <a:txBody>
-                    <a:bodyPr/>
-                    <a:lstStyle/>
-                    <a:p>
-                      <a:pPr latinLnBrk="1"/>
-                      <a:r>
-                        <a:rPr lang="en-US" altLang="ko-KR" sz="1800" i="1" u="none" kern="1200" dirty="0" smtClean="0">
-                          <a:solidFill>
-                            <a:schemeClr val="dk1"/>
-                          </a:solidFill>
-                          <a:latin typeface="+mn-lt"/>
-                          <a:ea typeface="+mn-ea"/>
-                          <a:cs typeface="+mn-cs"/>
-                        </a:rPr>
-                        <a:t>CNT</a:t>
-                      </a:r>
-                      <a:endParaRPr lang="ko-KR" altLang="en-US" u="none" dirty="0"/>
-                    </a:p>
-                  </a:txBody>
-                  <a:tcPr/>
-                </a:tc>
-                <a:tc>
-                  <a:txBody>
-                    <a:bodyPr/>
-                    <a:lstStyle/>
-                    <a:p>
-                      <a:pPr latinLnBrk="1"/>
-                      <a:r>
-                        <a:rPr lang="en-US" altLang="ko-KR" u="none" dirty="0" smtClean="0"/>
-                        <a:t>8</a:t>
-                      </a:r>
-                      <a:endParaRPr lang="ko-KR" altLang="en-US" u="none" dirty="0"/>
-                    </a:p>
-                  </a:txBody>
-                  <a:tcPr/>
-                </a:tc>
-                <a:tc>
-                  <a:txBody>
-                    <a:bodyPr/>
-                    <a:lstStyle/>
-                    <a:p>
-                      <a:pPr latinLnBrk="1"/>
-                      <a:r>
-                        <a:rPr lang="ko-KR" altLang="en-US" u="none" dirty="0" smtClean="0"/>
-                        <a:t>몇 번째 전문인지</a:t>
-                      </a:r>
-                      <a:endParaRPr lang="ko-KR" altLang="en-US" u="none" dirty="0"/>
-                    </a:p>
-                  </a:txBody>
-                  <a:tcPr/>
-                </a:tc>
-              </a:tr>
-              <a:tr h="370840">
-                <a:tc>
-                  <a:txBody>
-                    <a:bodyPr/>
-                    <a:lstStyle/>
-                    <a:p>
-                      <a:pPr latinLnBrk="1"/>
-                      <a:r>
-                        <a:rPr lang="en-US" altLang="ko-KR" sz="1800" i="1" u="none" kern="1200" dirty="0" smtClean="0">
-                          <a:solidFill>
-                            <a:schemeClr val="dk1"/>
-                          </a:solidFill>
-                          <a:latin typeface="+mn-lt"/>
-                          <a:ea typeface="+mn-ea"/>
-                          <a:cs typeface="+mn-cs"/>
-                        </a:rPr>
-                        <a:t>TOT_LENGTH</a:t>
-                      </a:r>
-                      <a:endParaRPr lang="ko-KR" altLang="en-US" u="none" dirty="0"/>
-                    </a:p>
-                  </a:txBody>
-                  <a:tcPr/>
-                </a:tc>
-                <a:tc>
-                  <a:txBody>
-                    <a:bodyPr/>
-                    <a:lstStyle/>
-                    <a:p>
-                      <a:pPr latinLnBrk="1"/>
-                      <a:r>
-                        <a:rPr lang="en-US" altLang="ko-KR" u="none" dirty="0" smtClean="0"/>
-                        <a:t>12</a:t>
-                      </a:r>
-                      <a:endParaRPr lang="ko-KR" altLang="en-US" u="none" dirty="0"/>
-                    </a:p>
-                  </a:txBody>
-                  <a:tcPr/>
-                </a:tc>
-                <a:tc>
-                  <a:txBody>
-                    <a:bodyPr/>
-                    <a:lstStyle/>
-                    <a:p>
-                      <a:pPr latinLnBrk="1"/>
-                      <a:r>
-                        <a:rPr lang="ko-KR" altLang="en-US" u="none" dirty="0" smtClean="0"/>
-                        <a:t>파일의 전체 길이</a:t>
-                      </a:r>
-                      <a:endParaRPr lang="ko-KR" altLang="en-US" u="none" dirty="0"/>
-                    </a:p>
-                  </a:txBody>
-                  <a:tcPr/>
-                </a:tc>
-              </a:tr>
-              <a:tr h="370840">
-                <a:tc>
-                  <a:txBody>
-                    <a:bodyPr/>
-                    <a:lstStyle/>
-                    <a:p>
-                      <a:pPr latinLnBrk="1"/>
-                      <a:r>
-                        <a:rPr lang="en-US" altLang="ko-KR" sz="1800" i="1" u="none" kern="1200" dirty="0" smtClean="0">
-                          <a:solidFill>
-                            <a:schemeClr val="dk1"/>
-                          </a:solidFill>
-                          <a:latin typeface="+mn-lt"/>
-                          <a:ea typeface="+mn-ea"/>
-                          <a:cs typeface="+mn-cs"/>
-                        </a:rPr>
-                        <a:t>START</a:t>
-                      </a:r>
-                      <a:endParaRPr lang="ko-KR" altLang="en-US" u="none" dirty="0"/>
-                    </a:p>
-                  </a:txBody>
-                  <a:tcPr/>
-                </a:tc>
-                <a:tc>
-                  <a:txBody>
-                    <a:bodyPr/>
-                    <a:lstStyle/>
-                    <a:p>
-                      <a:pPr latinLnBrk="1"/>
-                      <a:r>
-                        <a:rPr lang="en-US" altLang="ko-KR" u="none" dirty="0" smtClean="0"/>
-                        <a:t>1</a:t>
-                      </a:r>
-                      <a:endParaRPr lang="ko-KR" altLang="en-US" u="none" dirty="0"/>
-                    </a:p>
-                  </a:txBody>
-                  <a:tcPr/>
-                </a:tc>
-                <a:tc>
-                  <a:txBody>
-                    <a:bodyPr/>
-                    <a:lstStyle/>
-                    <a:p>
-                      <a:pPr latinLnBrk="1"/>
-                      <a:r>
-                        <a:rPr lang="ko-KR" altLang="en-US" u="none" dirty="0" smtClean="0"/>
-                        <a:t>시작 전문</a:t>
-                      </a:r>
-                      <a:endParaRPr lang="ko-KR" altLang="en-US" u="none" dirty="0"/>
-                    </a:p>
-                  </a:txBody>
-                  <a:tcPr/>
-                </a:tc>
-              </a:tr>
-              <a:tr h="370840">
-                <a:tc>
-                  <a:txBody>
-                    <a:bodyPr/>
-                    <a:lstStyle/>
-                    <a:p>
-                      <a:pPr latinLnBrk="1"/>
-                      <a:r>
-                        <a:rPr lang="en-US" altLang="ko-KR" sz="1800" i="1" u="none" kern="1200" dirty="0" smtClean="0">
-                          <a:solidFill>
-                            <a:schemeClr val="dk1"/>
-                          </a:solidFill>
-                          <a:latin typeface="+mn-lt"/>
-                          <a:ea typeface="+mn-ea"/>
-                          <a:cs typeface="+mn-cs"/>
-                        </a:rPr>
-                        <a:t>END</a:t>
-                      </a:r>
-                      <a:endParaRPr lang="ko-KR" altLang="en-US" u="none" dirty="0"/>
-                    </a:p>
-                  </a:txBody>
-                  <a:tcPr/>
-                </a:tc>
-                <a:tc>
-                  <a:txBody>
-                    <a:bodyPr/>
-                    <a:lstStyle/>
-                    <a:p>
-                      <a:pPr latinLnBrk="1"/>
-                      <a:r>
-                        <a:rPr lang="en-US" altLang="ko-KR" u="none" dirty="0" smtClean="0"/>
-                        <a:t>1</a:t>
-                      </a:r>
-                      <a:endParaRPr lang="ko-KR" altLang="en-US" u="none" dirty="0"/>
-                    </a:p>
-                  </a:txBody>
-                  <a:tcPr/>
-                </a:tc>
-                <a:tc>
-                  <a:txBody>
-                    <a:bodyPr/>
-                    <a:lstStyle/>
-                    <a:p>
-                      <a:pPr latinLnBrk="1"/>
-                      <a:r>
-                        <a:rPr lang="ko-KR" altLang="en-US" u="none" dirty="0" smtClean="0"/>
-                        <a:t>마지막 전문</a:t>
-                      </a:r>
-                      <a:endParaRPr lang="ko-KR" altLang="en-US" u="none" dirty="0"/>
-                    </a:p>
-                  </a:txBody>
-                  <a:tcPr/>
-                </a:tc>
-              </a:tr>
-              <a:tr h="370840">
-                <a:tc>
-                  <a:txBody>
-                    <a:bodyPr/>
-                    <a:lstStyle/>
-                    <a:p>
-                      <a:pPr latinLnBrk="1"/>
-                      <a:r>
-                        <a:rPr lang="en-US" altLang="ko-KR" sz="1800" i="1" u="none" kern="1200" dirty="0" smtClean="0">
-                          <a:solidFill>
-                            <a:schemeClr val="dk1"/>
-                          </a:solidFill>
-                          <a:latin typeface="+mn-lt"/>
-                          <a:ea typeface="+mn-ea"/>
-                          <a:cs typeface="+mn-cs"/>
-                        </a:rPr>
-                        <a:t>FILENAME</a:t>
-                      </a:r>
-                      <a:endParaRPr lang="ko-KR" altLang="en-US" u="none" dirty="0"/>
-                    </a:p>
-                  </a:txBody>
-                  <a:tcPr/>
-                </a:tc>
-                <a:tc>
-                  <a:txBody>
-                    <a:bodyPr/>
-                    <a:lstStyle/>
-                    <a:p>
-                      <a:pPr latinLnBrk="1"/>
-                      <a:r>
-                        <a:rPr lang="en-US" altLang="ko-KR" u="none" dirty="0" smtClean="0"/>
-                        <a:t>128</a:t>
-                      </a:r>
-                      <a:endParaRPr lang="ko-KR" altLang="en-US" u="none" dirty="0"/>
-                    </a:p>
-                  </a:txBody>
-                  <a:tcPr/>
-                </a:tc>
-                <a:tc>
-                  <a:txBody>
-                    <a:bodyPr/>
-                    <a:lstStyle/>
-                    <a:p>
-                      <a:pPr latinLnBrk="1"/>
-                      <a:r>
-                        <a:rPr lang="ko-KR" altLang="en-US" u="none" dirty="0" smtClean="0"/>
-                        <a:t>파일명</a:t>
-                      </a:r>
-                      <a:endParaRPr lang="ko-KR" altLang="en-US" u="none" dirty="0"/>
-                    </a:p>
-                  </a:txBody>
-                  <a:tcPr/>
-                </a:tc>
-              </a:tr>
-              <a:tr h="370840">
-                <a:tc>
-                  <a:txBody>
-                    <a:bodyPr/>
-                    <a:lstStyle/>
-                    <a:p>
-                      <a:pPr latinLnBrk="1"/>
-                      <a:r>
-                        <a:rPr lang="en-US" altLang="ko-KR" sz="1800" u="none" kern="1200" dirty="0" smtClean="0">
-                          <a:solidFill>
-                            <a:schemeClr val="dk1"/>
-                          </a:solidFill>
-                          <a:latin typeface="+mn-lt"/>
-                          <a:ea typeface="+mn-ea"/>
-                          <a:cs typeface="+mn-cs"/>
-                        </a:rPr>
-                        <a:t>DATA</a:t>
-                      </a:r>
-                      <a:endParaRPr lang="ko-KR" altLang="en-US" u="none" dirty="0"/>
-                    </a:p>
-                  </a:txBody>
-                  <a:tcPr/>
-                </a:tc>
-                <a:tc>
-                  <a:txBody>
-                    <a:bodyPr/>
-                    <a:lstStyle/>
-                    <a:p>
-                      <a:pPr latinLnBrk="1"/>
-                      <a:r>
-                        <a:rPr lang="en-US" altLang="ko-KR" u="none" dirty="0" smtClean="0"/>
-                        <a:t>?</a:t>
-                      </a:r>
-                      <a:endParaRPr lang="ko-KR" altLang="en-US" u="none" dirty="0"/>
-                    </a:p>
-                  </a:txBody>
-                  <a:tcPr/>
-                </a:tc>
-                <a:tc>
-                  <a:txBody>
-                    <a:bodyPr/>
-                    <a:lstStyle/>
-                    <a:p>
-                      <a:pPr latinLnBrk="1"/>
-                      <a:r>
-                        <a:rPr lang="ko-KR" altLang="en-US" u="none" dirty="0" smtClean="0"/>
-                        <a:t>파일 내용</a:t>
-                      </a:r>
-                      <a:endParaRPr lang="ko-KR" altLang="en-US" u="none" dirty="0"/>
-                    </a:p>
-                  </a:txBody>
-                  <a:tcPr/>
-                </a:tc>
-              </a:tr>
-            </a:tbl>
-          </a:graphicData>
-        </a:graphic>
-      </p:graphicFrame>
+      <p:sp>
+        <p:nvSpPr>
+          <p:cNvPr id="3" name="직사각형 2"/>
+          <p:cNvSpPr/>
+          <p:nvPr/>
+        </p:nvSpPr>
+        <p:spPr>
+          <a:xfrm>
+            <a:off x="405164" y="116632"/>
+            <a:ext cx="5030932" cy="369332"/>
+          </a:xfrm>
+          <a:prstGeom prst="rect">
+            <a:avLst/>
+          </a:prstGeom>
+        </p:spPr>
+        <p:txBody>
+          <a:bodyPr wrap="square">
+            <a:spAutoFit/>
+          </a:bodyPr>
+          <a:lstStyle/>
+          <a:p>
+            <a:r>
+              <a:rPr lang="en-US" altLang="ko-KR" dirty="0" smtClean="0"/>
+              <a:t>Package com.psc.netty.fixed2 VO </a:t>
+            </a:r>
+            <a:r>
+              <a:rPr lang="ko-KR" altLang="en-US" dirty="0" smtClean="0"/>
+              <a:t>통신 방식</a:t>
+            </a:r>
+            <a:endParaRPr lang="ko-KR" altLang="en-US" dirty="0"/>
+          </a:p>
+        </p:txBody>
+      </p:sp>
+      <p:sp>
+        <p:nvSpPr>
+          <p:cNvPr id="36" name="직사각형 35"/>
+          <p:cNvSpPr/>
+          <p:nvPr/>
+        </p:nvSpPr>
+        <p:spPr>
+          <a:xfrm>
+            <a:off x="179512" y="5661248"/>
+            <a:ext cx="8640960" cy="923330"/>
+          </a:xfrm>
+          <a:prstGeom prst="rect">
+            <a:avLst/>
+          </a:prstGeom>
+        </p:spPr>
+        <p:txBody>
+          <a:bodyPr wrap="square">
+            <a:spAutoFit/>
+          </a:bodyPr>
+          <a:lstStyle/>
+          <a:p>
+            <a:r>
+              <a:rPr lang="en-US" altLang="ko-KR" dirty="0" smtClean="0"/>
+              <a:t>Length to send at one time – header Length</a:t>
+            </a:r>
+            <a:r>
+              <a:rPr lang="ko-KR" altLang="en-US" dirty="0" smtClean="0"/>
+              <a:t> </a:t>
+            </a:r>
+            <a:r>
+              <a:rPr lang="en-US" altLang="ko-KR" dirty="0" smtClean="0"/>
+              <a:t>= </a:t>
+            </a:r>
+            <a:r>
+              <a:rPr lang="en-US" altLang="ko-KR" dirty="0" smtClean="0">
+                <a:solidFill>
+                  <a:srgbClr val="FF0000"/>
+                </a:solidFill>
+              </a:rPr>
+              <a:t>*date Length</a:t>
+            </a:r>
+          </a:p>
+          <a:p>
+            <a:endParaRPr lang="en-US" altLang="ko-KR" dirty="0">
+              <a:solidFill>
+                <a:srgbClr val="FF0000"/>
+              </a:solidFill>
+            </a:endParaRPr>
+          </a:p>
+          <a:p>
+            <a:r>
+              <a:rPr lang="ko-KR" altLang="en-US" dirty="0" smtClean="0">
+                <a:solidFill>
+                  <a:srgbClr val="FF0000"/>
+                </a:solidFill>
+              </a:rPr>
+              <a:t>전체길이를 변수로 두고 시스템 및 환경에 따라 적합한 전송 사이즈로 변경 가능  </a:t>
+            </a:r>
+            <a:endParaRPr lang="en-US" altLang="ko-KR" dirty="0" smtClean="0">
+              <a:solidFill>
+                <a:srgbClr val="FF0000"/>
+              </a:solidFill>
+            </a:endParaRPr>
+          </a:p>
+        </p:txBody>
+      </p:sp>
     </p:spTree>
     <p:extLst>
       <p:ext uri="{BB962C8B-B14F-4D97-AF65-F5344CB8AC3E}">
